--- a/Новая презентация.pptx
+++ b/Новая презентация.pptx
@@ -1,6 +1,6 @@
 
 <file path=ppt/presentation.xml><?xml version="1.0" encoding="utf-8"?>
-<p:presentation xmlns:a="http://schemas.openxmlformats.org/drawingml/2006/main" xmlns:r="http://schemas.openxmlformats.org/officeDocument/2006/relationships" xmlns:mc="http://schemas.openxmlformats.org/markup-compatibility/2006" xmlns:mv="urn:schemas-microsoft-com:mac:vml" xmlns:p="http://schemas.openxmlformats.org/presentationml/2006/main" xmlns:c="http://schemas.openxmlformats.org/drawingml/2006/chart" xmlns:dgm="http://schemas.openxmlformats.org/drawingml/2006/diagram" xmlns:o="urn:schemas-microsoft-com:office:office" xmlns:v="urn:schemas-microsoft-com:vml" xmlns:pvml="urn:schemas-microsoft-com:office:powerpoint" xmlns:com="http://schemas.openxmlformats.org/drawingml/2006/compatibility" xmlns:p14="http://schemas.microsoft.com/office/powerpoint/2010/main" xmlns:p15="http://schemas.microsoft.com/office/powerpoint/2012/main" xmlns:ahyp="http://schemas.microsoft.com/office/drawing/2018/hyperlinkcolor" autoCompressPictures="0" embedTrueTypeFonts="1" strictFirstAndLastChars="0" saveSubsetFonts="1">
+<p:presentation xmlns:a="http://schemas.openxmlformats.org/drawingml/2006/main" xmlns:r="http://schemas.openxmlformats.org/officeDocument/2006/relationships" xmlns:mc="http://schemas.openxmlformats.org/markup-compatibility/2006" xmlns:mv="urn:schemas-microsoft-com:mac:vml" xmlns:p="http://schemas.openxmlformats.org/presentationml/2006/main" xmlns:c="http://schemas.openxmlformats.org/drawingml/2006/chart" xmlns:dgm="http://schemas.openxmlformats.org/drawingml/2006/diagram" xmlns:o="urn:schemas-microsoft-com:office:office" xmlns:v="urn:schemas-microsoft-com:vml" xmlns:pvml="urn:schemas-microsoft-com:office:powerpoint" xmlns:com="http://schemas.openxmlformats.org/drawingml/2006/compatibility" xmlns:p14="http://schemas.microsoft.com/office/powerpoint/2010/main" xmlns:p15="http://schemas.microsoft.com/office/powerpoint/2012/main" xmlns:ahyp="http://schemas.microsoft.com/office/drawing/2018/hyperlinkcolor" autoCompressPictures="0" strictFirstAndLastChars="0" saveSubsetFonts="1">
   <p:sldMasterIdLst>
     <p:sldMasterId id="2147483659" r:id="rId4"/>
   </p:sldMasterIdLst>
@@ -15,22 +15,14 @@
     <p:sldId id="260" r:id="rId10"/>
     <p:sldId id="261" r:id="rId11"/>
     <p:sldId id="262" r:id="rId12"/>
+    <p:sldId id="263" r:id="rId13"/>
+    <p:sldId id="264" r:id="rId14"/>
+    <p:sldId id="265" r:id="rId15"/>
+    <p:sldId id="266" r:id="rId16"/>
+    <p:sldId id="267" r:id="rId17"/>
   </p:sldIdLst>
   <p:sldSz cy="5143500" cx="9144000"/>
   <p:notesSz cx="6858000" cy="9144000"/>
-  <p:embeddedFontLst>
-    <p:embeddedFont>
-      <p:font typeface="Lobster"/>
-      <p:regular r:id="rId13"/>
-    </p:embeddedFont>
-    <p:embeddedFont>
-      <p:font typeface="Spectral"/>
-      <p:regular r:id="rId14"/>
-      <p:bold r:id="rId15"/>
-      <p:italic r:id="rId16"/>
-      <p:boldItalic r:id="rId17"/>
-    </p:embeddedFont>
-  </p:embeddedFontLst>
   <p:defaultTextStyle>
     <a:defPPr lvl="0" marR="0" rtl="0" algn="l">
       <a:lnSpc>
@@ -804,12 +796,12 @@
 </p:notes>
 </file>
 
-<file path=ppt/notesSlides/notesSlide2.xml><?xml version="1.0" encoding="utf-8"?>
+<file path=ppt/notesSlides/notesSlide10.xml><?xml version="1.0" encoding="utf-8"?>
 <p:notes xmlns:a="http://schemas.openxmlformats.org/drawingml/2006/main" xmlns:r="http://schemas.openxmlformats.org/officeDocument/2006/relationships" xmlns:mc="http://schemas.openxmlformats.org/markup-compatibility/2006" xmlns:mv="urn:schemas-microsoft-com:mac:vml" xmlns:p="http://schemas.openxmlformats.org/presentationml/2006/main" xmlns:c="http://schemas.openxmlformats.org/drawingml/2006/chart" xmlns:dgm="http://schemas.openxmlformats.org/drawingml/2006/diagram" xmlns:o="urn:schemas-microsoft-com:office:office" xmlns:v="urn:schemas-microsoft-com:vml" xmlns:pvml="urn:schemas-microsoft-com:office:powerpoint" xmlns:com="http://schemas.openxmlformats.org/drawingml/2006/compatibility" xmlns:p14="http://schemas.microsoft.com/office/powerpoint/2010/main" xmlns:p15="http://schemas.microsoft.com/office/powerpoint/2012/main" xmlns:ahyp="http://schemas.microsoft.com/office/drawing/2018/hyperlinkcolor" showMasterPhAnim="0" showMasterSp="0">
   <p:cSld>
     <p:spTree>
       <p:nvGrpSpPr>
-        <p:cNvPr id="56" name="Shape 56"/>
+        <p:cNvPr id="96" name="Shape 96"/>
         <p:cNvGrpSpPr/>
         <p:nvPr/>
       </p:nvGrpSpPr>
@@ -823,7 +815,7 @@
       </p:grpSpPr>
       <p:sp>
         <p:nvSpPr>
-          <p:cNvPr id="57" name="Google Shape;57;g304a39229a6_0_1:notes"/>
+          <p:cNvPr id="97" name="Google Shape;97;g3102dd1ae07_0_45:notes"/>
           <p:cNvSpPr/>
           <p:nvPr>
             <p:ph idx="2" type="sldImg"/>
@@ -858,7 +850,7 @@
       </p:sp>
       <p:sp>
         <p:nvSpPr>
-          <p:cNvPr id="58" name="Google Shape;58;g304a39229a6_0_1:notes"/>
+          <p:cNvPr id="98" name="Google Shape;98;g3102dd1ae07_0_45:notes"/>
           <p:cNvSpPr txBox="1"/>
           <p:nvPr>
             <p:ph idx="1" type="body"/>
@@ -903,12 +895,12 @@
 </p:notes>
 </file>
 
-<file path=ppt/notesSlides/notesSlide3.xml><?xml version="1.0" encoding="utf-8"?>
+<file path=ppt/notesSlides/notesSlide11.xml><?xml version="1.0" encoding="utf-8"?>
 <p:notes xmlns:a="http://schemas.openxmlformats.org/drawingml/2006/main" xmlns:r="http://schemas.openxmlformats.org/officeDocument/2006/relationships" xmlns:mc="http://schemas.openxmlformats.org/markup-compatibility/2006" xmlns:mv="urn:schemas-microsoft-com:mac:vml" xmlns:p="http://schemas.openxmlformats.org/presentationml/2006/main" xmlns:c="http://schemas.openxmlformats.org/drawingml/2006/chart" xmlns:dgm="http://schemas.openxmlformats.org/drawingml/2006/diagram" xmlns:o="urn:schemas-microsoft-com:office:office" xmlns:v="urn:schemas-microsoft-com:vml" xmlns:pvml="urn:schemas-microsoft-com:office:powerpoint" xmlns:com="http://schemas.openxmlformats.org/drawingml/2006/compatibility" xmlns:p14="http://schemas.microsoft.com/office/powerpoint/2010/main" xmlns:p15="http://schemas.microsoft.com/office/powerpoint/2012/main" xmlns:ahyp="http://schemas.microsoft.com/office/drawing/2018/hyperlinkcolor" showMasterPhAnim="0" showMasterSp="0">
   <p:cSld>
     <p:spTree>
       <p:nvGrpSpPr>
-        <p:cNvPr id="62" name="Shape 62"/>
+        <p:cNvPr id="101" name="Shape 101"/>
         <p:cNvGrpSpPr/>
         <p:nvPr/>
       </p:nvGrpSpPr>
@@ -922,7 +914,7 @@
       </p:grpSpPr>
       <p:sp>
         <p:nvSpPr>
-          <p:cNvPr id="63" name="Google Shape;63;g304a39229a6_0_13:notes"/>
+          <p:cNvPr id="102" name="Google Shape;102;g3102dd1ae07_0_51:notes"/>
           <p:cNvSpPr/>
           <p:nvPr>
             <p:ph idx="2" type="sldImg"/>
@@ -957,7 +949,7 @@
       </p:sp>
       <p:sp>
         <p:nvSpPr>
-          <p:cNvPr id="64" name="Google Shape;64;g304a39229a6_0_13:notes"/>
+          <p:cNvPr id="103" name="Google Shape;103;g3102dd1ae07_0_51:notes"/>
           <p:cNvSpPr txBox="1"/>
           <p:nvPr>
             <p:ph idx="1" type="body"/>
@@ -1002,12 +994,12 @@
 </p:notes>
 </file>
 
-<file path=ppt/notesSlides/notesSlide4.xml><?xml version="1.0" encoding="utf-8"?>
+<file path=ppt/notesSlides/notesSlide12.xml><?xml version="1.0" encoding="utf-8"?>
 <p:notes xmlns:a="http://schemas.openxmlformats.org/drawingml/2006/main" xmlns:r="http://schemas.openxmlformats.org/officeDocument/2006/relationships" xmlns:mc="http://schemas.openxmlformats.org/markup-compatibility/2006" xmlns:mv="urn:schemas-microsoft-com:mac:vml" xmlns:p="http://schemas.openxmlformats.org/presentationml/2006/main" xmlns:c="http://schemas.openxmlformats.org/drawingml/2006/chart" xmlns:dgm="http://schemas.openxmlformats.org/drawingml/2006/diagram" xmlns:o="urn:schemas-microsoft-com:office:office" xmlns:v="urn:schemas-microsoft-com:vml" xmlns:pvml="urn:schemas-microsoft-com:office:powerpoint" xmlns:com="http://schemas.openxmlformats.org/drawingml/2006/compatibility" xmlns:p14="http://schemas.microsoft.com/office/powerpoint/2010/main" xmlns:p15="http://schemas.microsoft.com/office/powerpoint/2012/main" xmlns:ahyp="http://schemas.microsoft.com/office/drawing/2018/hyperlinkcolor" showMasterPhAnim="0" showMasterSp="0">
   <p:cSld>
     <p:spTree>
       <p:nvGrpSpPr>
-        <p:cNvPr id="68" name="Shape 68"/>
+        <p:cNvPr id="106" name="Shape 106"/>
         <p:cNvGrpSpPr/>
         <p:nvPr/>
       </p:nvGrpSpPr>
@@ -1021,7 +1013,7 @@
       </p:grpSpPr>
       <p:sp>
         <p:nvSpPr>
-          <p:cNvPr id="69" name="Google Shape;69;g304a39229a6_0_32:notes"/>
+          <p:cNvPr id="107" name="Google Shape;107;g3102dd1ae07_0_57:notes"/>
           <p:cNvSpPr/>
           <p:nvPr>
             <p:ph idx="2" type="sldImg"/>
@@ -1056,7 +1048,7 @@
       </p:sp>
       <p:sp>
         <p:nvSpPr>
-          <p:cNvPr id="70" name="Google Shape;70;g304a39229a6_0_32:notes"/>
+          <p:cNvPr id="108" name="Google Shape;108;g3102dd1ae07_0_57:notes"/>
           <p:cNvSpPr txBox="1"/>
           <p:nvPr>
             <p:ph idx="1" type="body"/>
@@ -1101,12 +1093,12 @@
 </p:notes>
 </file>
 
-<file path=ppt/notesSlides/notesSlide5.xml><?xml version="1.0" encoding="utf-8"?>
+<file path=ppt/notesSlides/notesSlide2.xml><?xml version="1.0" encoding="utf-8"?>
 <p:notes xmlns:a="http://schemas.openxmlformats.org/drawingml/2006/main" xmlns:r="http://schemas.openxmlformats.org/officeDocument/2006/relationships" xmlns:mc="http://schemas.openxmlformats.org/markup-compatibility/2006" xmlns:mv="urn:schemas-microsoft-com:mac:vml" xmlns:p="http://schemas.openxmlformats.org/presentationml/2006/main" xmlns:c="http://schemas.openxmlformats.org/drawingml/2006/chart" xmlns:dgm="http://schemas.openxmlformats.org/drawingml/2006/diagram" xmlns:o="urn:schemas-microsoft-com:office:office" xmlns:v="urn:schemas-microsoft-com:vml" xmlns:pvml="urn:schemas-microsoft-com:office:powerpoint" xmlns:com="http://schemas.openxmlformats.org/drawingml/2006/compatibility" xmlns:p14="http://schemas.microsoft.com/office/powerpoint/2010/main" xmlns:p15="http://schemas.microsoft.com/office/powerpoint/2012/main" xmlns:ahyp="http://schemas.microsoft.com/office/drawing/2018/hyperlinkcolor" showMasterPhAnim="0" showMasterSp="0">
   <p:cSld>
     <p:spTree>
       <p:nvGrpSpPr>
-        <p:cNvPr id="74" name="Shape 74"/>
+        <p:cNvPr id="56" name="Shape 56"/>
         <p:cNvGrpSpPr/>
         <p:nvPr/>
       </p:nvGrpSpPr>
@@ -1120,7 +1112,7 @@
       </p:grpSpPr>
       <p:sp>
         <p:nvSpPr>
-          <p:cNvPr id="75" name="Google Shape;75;g304a39229a6_0_7:notes"/>
+          <p:cNvPr id="57" name="Google Shape;57;g3102dd1ae07_0_63:notes"/>
           <p:cNvSpPr/>
           <p:nvPr>
             <p:ph idx="2" type="sldImg"/>
@@ -1155,7 +1147,7 @@
       </p:sp>
       <p:sp>
         <p:nvSpPr>
-          <p:cNvPr id="76" name="Google Shape;76;g304a39229a6_0_7:notes"/>
+          <p:cNvPr id="58" name="Google Shape;58;g3102dd1ae07_0_63:notes"/>
           <p:cNvSpPr txBox="1"/>
           <p:nvPr>
             <p:ph idx="1" type="body"/>
@@ -1200,12 +1192,12 @@
 </p:notes>
 </file>
 
-<file path=ppt/notesSlides/notesSlide6.xml><?xml version="1.0" encoding="utf-8"?>
+<file path=ppt/notesSlides/notesSlide3.xml><?xml version="1.0" encoding="utf-8"?>
 <p:notes xmlns:a="http://schemas.openxmlformats.org/drawingml/2006/main" xmlns:r="http://schemas.openxmlformats.org/officeDocument/2006/relationships" xmlns:mc="http://schemas.openxmlformats.org/markup-compatibility/2006" xmlns:mv="urn:schemas-microsoft-com:mac:vml" xmlns:p="http://schemas.openxmlformats.org/presentationml/2006/main" xmlns:c="http://schemas.openxmlformats.org/drawingml/2006/chart" xmlns:dgm="http://schemas.openxmlformats.org/drawingml/2006/diagram" xmlns:o="urn:schemas-microsoft-com:office:office" xmlns:v="urn:schemas-microsoft-com:vml" xmlns:pvml="urn:schemas-microsoft-com:office:powerpoint" xmlns:com="http://schemas.openxmlformats.org/drawingml/2006/compatibility" xmlns:p14="http://schemas.microsoft.com/office/powerpoint/2010/main" xmlns:p15="http://schemas.microsoft.com/office/powerpoint/2012/main" xmlns:ahyp="http://schemas.microsoft.com/office/drawing/2018/hyperlinkcolor" showMasterPhAnim="0" showMasterSp="0">
   <p:cSld>
     <p:spTree>
       <p:nvGrpSpPr>
-        <p:cNvPr id="80" name="Shape 80"/>
+        <p:cNvPr id="61" name="Shape 61"/>
         <p:cNvGrpSpPr/>
         <p:nvPr/>
       </p:nvGrpSpPr>
@@ -1219,7 +1211,7 @@
       </p:grpSpPr>
       <p:sp>
         <p:nvSpPr>
-          <p:cNvPr id="81" name="Google Shape;81;g304a39229a6_0_23:notes"/>
+          <p:cNvPr id="62" name="Google Shape;62;g3102dd1ae07_0_2:notes"/>
           <p:cNvSpPr/>
           <p:nvPr>
             <p:ph idx="2" type="sldImg"/>
@@ -1254,7 +1246,7 @@
       </p:sp>
       <p:sp>
         <p:nvSpPr>
-          <p:cNvPr id="82" name="Google Shape;82;g304a39229a6_0_23:notes"/>
+          <p:cNvPr id="63" name="Google Shape;63;g3102dd1ae07_0_2:notes"/>
           <p:cNvSpPr txBox="1"/>
           <p:nvPr>
             <p:ph idx="1" type="body"/>
@@ -1299,12 +1291,12 @@
 </p:notes>
 </file>
 
-<file path=ppt/notesSlides/notesSlide7.xml><?xml version="1.0" encoding="utf-8"?>
+<file path=ppt/notesSlides/notesSlide4.xml><?xml version="1.0" encoding="utf-8"?>
 <p:notes xmlns:a="http://schemas.openxmlformats.org/drawingml/2006/main" xmlns:r="http://schemas.openxmlformats.org/officeDocument/2006/relationships" xmlns:mc="http://schemas.openxmlformats.org/markup-compatibility/2006" xmlns:mv="urn:schemas-microsoft-com:mac:vml" xmlns:p="http://schemas.openxmlformats.org/presentationml/2006/main" xmlns:c="http://schemas.openxmlformats.org/drawingml/2006/chart" xmlns:dgm="http://schemas.openxmlformats.org/drawingml/2006/diagram" xmlns:o="urn:schemas-microsoft-com:office:office" xmlns:v="urn:schemas-microsoft-com:vml" xmlns:pvml="urn:schemas-microsoft-com:office:powerpoint" xmlns:com="http://schemas.openxmlformats.org/drawingml/2006/compatibility" xmlns:p14="http://schemas.microsoft.com/office/powerpoint/2010/main" xmlns:p15="http://schemas.microsoft.com/office/powerpoint/2012/main" xmlns:ahyp="http://schemas.microsoft.com/office/drawing/2018/hyperlinkcolor" showMasterPhAnim="0" showMasterSp="0">
   <p:cSld>
     <p:spTree>
       <p:nvGrpSpPr>
-        <p:cNvPr id="87" name="Shape 87"/>
+        <p:cNvPr id="66" name="Shape 66"/>
         <p:cNvGrpSpPr/>
         <p:nvPr/>
       </p:nvGrpSpPr>
@@ -1318,7 +1310,7 @@
       </p:grpSpPr>
       <p:sp>
         <p:nvSpPr>
-          <p:cNvPr id="88" name="Google Shape;88;g304a39229a6_0_39:notes"/>
+          <p:cNvPr id="67" name="Google Shape;67;g3102dd1ae07_0_9:notes"/>
           <p:cNvSpPr/>
           <p:nvPr>
             <p:ph idx="2" type="sldImg"/>
@@ -1353,7 +1345,502 @@
       </p:sp>
       <p:sp>
         <p:nvSpPr>
-          <p:cNvPr id="89" name="Google Shape;89;g304a39229a6_0_39:notes"/>
+          <p:cNvPr id="68" name="Google Shape;68;g3102dd1ae07_0_9:notes"/>
+          <p:cNvSpPr txBox="1"/>
+          <p:nvPr>
+            <p:ph idx="1" type="body"/>
+          </p:nvPr>
+        </p:nvSpPr>
+        <p:spPr>
+          <a:xfrm>
+            <a:off x="685800" y="4343400"/>
+            <a:ext cx="5486400" cy="4114800"/>
+          </a:xfrm>
+          <a:prstGeom prst="rect">
+            <a:avLst/>
+          </a:prstGeom>
+        </p:spPr>
+        <p:txBody>
+          <a:bodyPr anchorCtr="0" anchor="t" bIns="91425" lIns="91425" spcFirstLastPara="1" rIns="91425" wrap="square" tIns="91425">
+            <a:noAutofit/>
+          </a:bodyPr>
+          <a:lstStyle/>
+          <a:p>
+            <a:pPr indent="0" lvl="0" marL="0" rtl="0" algn="l">
+              <a:spcBef>
+                <a:spcPts val="0"/>
+              </a:spcBef>
+              <a:spcAft>
+                <a:spcPts val="0"/>
+              </a:spcAft>
+              <a:buNone/>
+            </a:pPr>
+            <a:r>
+              <a:t/>
+            </a:r>
+            <a:endParaRPr/>
+          </a:p>
+        </p:txBody>
+      </p:sp>
+    </p:spTree>
+  </p:cSld>
+  <p:clrMapOvr>
+    <a:masterClrMapping/>
+  </p:clrMapOvr>
+</p:notes>
+</file>
+
+<file path=ppt/notesSlides/notesSlide5.xml><?xml version="1.0" encoding="utf-8"?>
+<p:notes xmlns:a="http://schemas.openxmlformats.org/drawingml/2006/main" xmlns:r="http://schemas.openxmlformats.org/officeDocument/2006/relationships" xmlns:mc="http://schemas.openxmlformats.org/markup-compatibility/2006" xmlns:mv="urn:schemas-microsoft-com:mac:vml" xmlns:p="http://schemas.openxmlformats.org/presentationml/2006/main" xmlns:c="http://schemas.openxmlformats.org/drawingml/2006/chart" xmlns:dgm="http://schemas.openxmlformats.org/drawingml/2006/diagram" xmlns:o="urn:schemas-microsoft-com:office:office" xmlns:v="urn:schemas-microsoft-com:vml" xmlns:pvml="urn:schemas-microsoft-com:office:powerpoint" xmlns:com="http://schemas.openxmlformats.org/drawingml/2006/compatibility" xmlns:p14="http://schemas.microsoft.com/office/powerpoint/2010/main" xmlns:p15="http://schemas.microsoft.com/office/powerpoint/2012/main" xmlns:ahyp="http://schemas.microsoft.com/office/drawing/2018/hyperlinkcolor" showMasterPhAnim="0" showMasterSp="0">
+  <p:cSld>
+    <p:spTree>
+      <p:nvGrpSpPr>
+        <p:cNvPr id="71" name="Shape 71"/>
+        <p:cNvGrpSpPr/>
+        <p:nvPr/>
+      </p:nvGrpSpPr>
+      <p:grpSpPr>
+        <a:xfrm>
+          <a:off x="0" y="0"/>
+          <a:ext cx="0" cy="0"/>
+          <a:chOff x="0" y="0"/>
+          <a:chExt cx="0" cy="0"/>
+        </a:xfrm>
+      </p:grpSpPr>
+      <p:sp>
+        <p:nvSpPr>
+          <p:cNvPr id="72" name="Google Shape;72;g3102dd1ae07_0_15:notes"/>
+          <p:cNvSpPr/>
+          <p:nvPr>
+            <p:ph idx="2" type="sldImg"/>
+          </p:nvPr>
+        </p:nvSpPr>
+        <p:spPr>
+          <a:xfrm>
+            <a:off x="381300" y="685800"/>
+            <a:ext cx="6096000" cy="3429000"/>
+          </a:xfrm>
+          <a:custGeom>
+            <a:rect b="b" l="l" r="r" t="t"/>
+            <a:pathLst>
+              <a:path extrusionOk="0" h="120000" w="120000">
+                <a:moveTo>
+                  <a:pt x="0" y="0"/>
+                </a:moveTo>
+                <a:lnTo>
+                  <a:pt x="120000" y="0"/>
+                </a:lnTo>
+                <a:lnTo>
+                  <a:pt x="120000" y="120000"/>
+                </a:lnTo>
+                <a:lnTo>
+                  <a:pt x="0" y="120000"/>
+                </a:lnTo>
+                <a:close/>
+              </a:path>
+            </a:pathLst>
+          </a:custGeom>
+        </p:spPr>
+      </p:sp>
+      <p:sp>
+        <p:nvSpPr>
+          <p:cNvPr id="73" name="Google Shape;73;g3102dd1ae07_0_15:notes"/>
+          <p:cNvSpPr txBox="1"/>
+          <p:nvPr>
+            <p:ph idx="1" type="body"/>
+          </p:nvPr>
+        </p:nvSpPr>
+        <p:spPr>
+          <a:xfrm>
+            <a:off x="685800" y="4343400"/>
+            <a:ext cx="5486400" cy="4114800"/>
+          </a:xfrm>
+          <a:prstGeom prst="rect">
+            <a:avLst/>
+          </a:prstGeom>
+        </p:spPr>
+        <p:txBody>
+          <a:bodyPr anchorCtr="0" anchor="t" bIns="91425" lIns="91425" spcFirstLastPara="1" rIns="91425" wrap="square" tIns="91425">
+            <a:noAutofit/>
+          </a:bodyPr>
+          <a:lstStyle/>
+          <a:p>
+            <a:pPr indent="0" lvl="0" marL="0" rtl="0" algn="l">
+              <a:spcBef>
+                <a:spcPts val="0"/>
+              </a:spcBef>
+              <a:spcAft>
+                <a:spcPts val="0"/>
+              </a:spcAft>
+              <a:buNone/>
+            </a:pPr>
+            <a:r>
+              <a:t/>
+            </a:r>
+            <a:endParaRPr/>
+          </a:p>
+        </p:txBody>
+      </p:sp>
+    </p:spTree>
+  </p:cSld>
+  <p:clrMapOvr>
+    <a:masterClrMapping/>
+  </p:clrMapOvr>
+</p:notes>
+</file>
+
+<file path=ppt/notesSlides/notesSlide6.xml><?xml version="1.0" encoding="utf-8"?>
+<p:notes xmlns:a="http://schemas.openxmlformats.org/drawingml/2006/main" xmlns:r="http://schemas.openxmlformats.org/officeDocument/2006/relationships" xmlns:mc="http://schemas.openxmlformats.org/markup-compatibility/2006" xmlns:mv="urn:schemas-microsoft-com:mac:vml" xmlns:p="http://schemas.openxmlformats.org/presentationml/2006/main" xmlns:c="http://schemas.openxmlformats.org/drawingml/2006/chart" xmlns:dgm="http://schemas.openxmlformats.org/drawingml/2006/diagram" xmlns:o="urn:schemas-microsoft-com:office:office" xmlns:v="urn:schemas-microsoft-com:vml" xmlns:pvml="urn:schemas-microsoft-com:office:powerpoint" xmlns:com="http://schemas.openxmlformats.org/drawingml/2006/compatibility" xmlns:p14="http://schemas.microsoft.com/office/powerpoint/2010/main" xmlns:p15="http://schemas.microsoft.com/office/powerpoint/2012/main" xmlns:ahyp="http://schemas.microsoft.com/office/drawing/2018/hyperlinkcolor" showMasterPhAnim="0" showMasterSp="0">
+  <p:cSld>
+    <p:spTree>
+      <p:nvGrpSpPr>
+        <p:cNvPr id="76" name="Shape 76"/>
+        <p:cNvGrpSpPr/>
+        <p:nvPr/>
+      </p:nvGrpSpPr>
+      <p:grpSpPr>
+        <a:xfrm>
+          <a:off x="0" y="0"/>
+          <a:ext cx="0" cy="0"/>
+          <a:chOff x="0" y="0"/>
+          <a:chExt cx="0" cy="0"/>
+        </a:xfrm>
+      </p:grpSpPr>
+      <p:sp>
+        <p:nvSpPr>
+          <p:cNvPr id="77" name="Google Shape;77;g3102dd1ae07_0_21:notes"/>
+          <p:cNvSpPr/>
+          <p:nvPr>
+            <p:ph idx="2" type="sldImg"/>
+          </p:nvPr>
+        </p:nvSpPr>
+        <p:spPr>
+          <a:xfrm>
+            <a:off x="381300" y="685800"/>
+            <a:ext cx="6096000" cy="3429000"/>
+          </a:xfrm>
+          <a:custGeom>
+            <a:rect b="b" l="l" r="r" t="t"/>
+            <a:pathLst>
+              <a:path extrusionOk="0" h="120000" w="120000">
+                <a:moveTo>
+                  <a:pt x="0" y="0"/>
+                </a:moveTo>
+                <a:lnTo>
+                  <a:pt x="120000" y="0"/>
+                </a:lnTo>
+                <a:lnTo>
+                  <a:pt x="120000" y="120000"/>
+                </a:lnTo>
+                <a:lnTo>
+                  <a:pt x="0" y="120000"/>
+                </a:lnTo>
+                <a:close/>
+              </a:path>
+            </a:pathLst>
+          </a:custGeom>
+        </p:spPr>
+      </p:sp>
+      <p:sp>
+        <p:nvSpPr>
+          <p:cNvPr id="78" name="Google Shape;78;g3102dd1ae07_0_21:notes"/>
+          <p:cNvSpPr txBox="1"/>
+          <p:nvPr>
+            <p:ph idx="1" type="body"/>
+          </p:nvPr>
+        </p:nvSpPr>
+        <p:spPr>
+          <a:xfrm>
+            <a:off x="685800" y="4343400"/>
+            <a:ext cx="5486400" cy="4114800"/>
+          </a:xfrm>
+          <a:prstGeom prst="rect">
+            <a:avLst/>
+          </a:prstGeom>
+        </p:spPr>
+        <p:txBody>
+          <a:bodyPr anchorCtr="0" anchor="t" bIns="91425" lIns="91425" spcFirstLastPara="1" rIns="91425" wrap="square" tIns="91425">
+            <a:noAutofit/>
+          </a:bodyPr>
+          <a:lstStyle/>
+          <a:p>
+            <a:pPr indent="0" lvl="0" marL="0" rtl="0" algn="l">
+              <a:spcBef>
+                <a:spcPts val="0"/>
+              </a:spcBef>
+              <a:spcAft>
+                <a:spcPts val="0"/>
+              </a:spcAft>
+              <a:buNone/>
+            </a:pPr>
+            <a:r>
+              <a:t/>
+            </a:r>
+            <a:endParaRPr/>
+          </a:p>
+        </p:txBody>
+      </p:sp>
+    </p:spTree>
+  </p:cSld>
+  <p:clrMapOvr>
+    <a:masterClrMapping/>
+  </p:clrMapOvr>
+</p:notes>
+</file>
+
+<file path=ppt/notesSlides/notesSlide7.xml><?xml version="1.0" encoding="utf-8"?>
+<p:notes xmlns:a="http://schemas.openxmlformats.org/drawingml/2006/main" xmlns:r="http://schemas.openxmlformats.org/officeDocument/2006/relationships" xmlns:mc="http://schemas.openxmlformats.org/markup-compatibility/2006" xmlns:mv="urn:schemas-microsoft-com:mac:vml" xmlns:p="http://schemas.openxmlformats.org/presentationml/2006/main" xmlns:c="http://schemas.openxmlformats.org/drawingml/2006/chart" xmlns:dgm="http://schemas.openxmlformats.org/drawingml/2006/diagram" xmlns:o="urn:schemas-microsoft-com:office:office" xmlns:v="urn:schemas-microsoft-com:vml" xmlns:pvml="urn:schemas-microsoft-com:office:powerpoint" xmlns:com="http://schemas.openxmlformats.org/drawingml/2006/compatibility" xmlns:p14="http://schemas.microsoft.com/office/powerpoint/2010/main" xmlns:p15="http://schemas.microsoft.com/office/powerpoint/2012/main" xmlns:ahyp="http://schemas.microsoft.com/office/drawing/2018/hyperlinkcolor" showMasterPhAnim="0" showMasterSp="0">
+  <p:cSld>
+    <p:spTree>
+      <p:nvGrpSpPr>
+        <p:cNvPr id="81" name="Shape 81"/>
+        <p:cNvGrpSpPr/>
+        <p:nvPr/>
+      </p:nvGrpSpPr>
+      <p:grpSpPr>
+        <a:xfrm>
+          <a:off x="0" y="0"/>
+          <a:ext cx="0" cy="0"/>
+          <a:chOff x="0" y="0"/>
+          <a:chExt cx="0" cy="0"/>
+        </a:xfrm>
+      </p:grpSpPr>
+      <p:sp>
+        <p:nvSpPr>
+          <p:cNvPr id="82" name="Google Shape;82;g3102dd1ae07_0_27:notes"/>
+          <p:cNvSpPr/>
+          <p:nvPr>
+            <p:ph idx="2" type="sldImg"/>
+          </p:nvPr>
+        </p:nvSpPr>
+        <p:spPr>
+          <a:xfrm>
+            <a:off x="381300" y="685800"/>
+            <a:ext cx="6096000" cy="3429000"/>
+          </a:xfrm>
+          <a:custGeom>
+            <a:rect b="b" l="l" r="r" t="t"/>
+            <a:pathLst>
+              <a:path extrusionOk="0" h="120000" w="120000">
+                <a:moveTo>
+                  <a:pt x="0" y="0"/>
+                </a:moveTo>
+                <a:lnTo>
+                  <a:pt x="120000" y="0"/>
+                </a:lnTo>
+                <a:lnTo>
+                  <a:pt x="120000" y="120000"/>
+                </a:lnTo>
+                <a:lnTo>
+                  <a:pt x="0" y="120000"/>
+                </a:lnTo>
+                <a:close/>
+              </a:path>
+            </a:pathLst>
+          </a:custGeom>
+        </p:spPr>
+      </p:sp>
+      <p:sp>
+        <p:nvSpPr>
+          <p:cNvPr id="83" name="Google Shape;83;g3102dd1ae07_0_27:notes"/>
+          <p:cNvSpPr txBox="1"/>
+          <p:nvPr>
+            <p:ph idx="1" type="body"/>
+          </p:nvPr>
+        </p:nvSpPr>
+        <p:spPr>
+          <a:xfrm>
+            <a:off x="685800" y="4343400"/>
+            <a:ext cx="5486400" cy="4114800"/>
+          </a:xfrm>
+          <a:prstGeom prst="rect">
+            <a:avLst/>
+          </a:prstGeom>
+        </p:spPr>
+        <p:txBody>
+          <a:bodyPr anchorCtr="0" anchor="t" bIns="91425" lIns="91425" spcFirstLastPara="1" rIns="91425" wrap="square" tIns="91425">
+            <a:noAutofit/>
+          </a:bodyPr>
+          <a:lstStyle/>
+          <a:p>
+            <a:pPr indent="0" lvl="0" marL="0" rtl="0" algn="l">
+              <a:spcBef>
+                <a:spcPts val="0"/>
+              </a:spcBef>
+              <a:spcAft>
+                <a:spcPts val="0"/>
+              </a:spcAft>
+              <a:buNone/>
+            </a:pPr>
+            <a:r>
+              <a:t/>
+            </a:r>
+            <a:endParaRPr/>
+          </a:p>
+        </p:txBody>
+      </p:sp>
+    </p:spTree>
+  </p:cSld>
+  <p:clrMapOvr>
+    <a:masterClrMapping/>
+  </p:clrMapOvr>
+</p:notes>
+</file>
+
+<file path=ppt/notesSlides/notesSlide8.xml><?xml version="1.0" encoding="utf-8"?>
+<p:notes xmlns:a="http://schemas.openxmlformats.org/drawingml/2006/main" xmlns:r="http://schemas.openxmlformats.org/officeDocument/2006/relationships" xmlns:mc="http://schemas.openxmlformats.org/markup-compatibility/2006" xmlns:mv="urn:schemas-microsoft-com:mac:vml" xmlns:p="http://schemas.openxmlformats.org/presentationml/2006/main" xmlns:c="http://schemas.openxmlformats.org/drawingml/2006/chart" xmlns:dgm="http://schemas.openxmlformats.org/drawingml/2006/diagram" xmlns:o="urn:schemas-microsoft-com:office:office" xmlns:v="urn:schemas-microsoft-com:vml" xmlns:pvml="urn:schemas-microsoft-com:office:powerpoint" xmlns:com="http://schemas.openxmlformats.org/drawingml/2006/compatibility" xmlns:p14="http://schemas.microsoft.com/office/powerpoint/2010/main" xmlns:p15="http://schemas.microsoft.com/office/powerpoint/2012/main" xmlns:ahyp="http://schemas.microsoft.com/office/drawing/2018/hyperlinkcolor" showMasterPhAnim="0" showMasterSp="0">
+  <p:cSld>
+    <p:spTree>
+      <p:nvGrpSpPr>
+        <p:cNvPr id="86" name="Shape 86"/>
+        <p:cNvGrpSpPr/>
+        <p:nvPr/>
+      </p:nvGrpSpPr>
+      <p:grpSpPr>
+        <a:xfrm>
+          <a:off x="0" y="0"/>
+          <a:ext cx="0" cy="0"/>
+          <a:chOff x="0" y="0"/>
+          <a:chExt cx="0" cy="0"/>
+        </a:xfrm>
+      </p:grpSpPr>
+      <p:sp>
+        <p:nvSpPr>
+          <p:cNvPr id="87" name="Google Shape;87;g3102dd1ae07_0_33:notes"/>
+          <p:cNvSpPr/>
+          <p:nvPr>
+            <p:ph idx="2" type="sldImg"/>
+          </p:nvPr>
+        </p:nvSpPr>
+        <p:spPr>
+          <a:xfrm>
+            <a:off x="381300" y="685800"/>
+            <a:ext cx="6096000" cy="3429000"/>
+          </a:xfrm>
+          <a:custGeom>
+            <a:rect b="b" l="l" r="r" t="t"/>
+            <a:pathLst>
+              <a:path extrusionOk="0" h="120000" w="120000">
+                <a:moveTo>
+                  <a:pt x="0" y="0"/>
+                </a:moveTo>
+                <a:lnTo>
+                  <a:pt x="120000" y="0"/>
+                </a:lnTo>
+                <a:lnTo>
+                  <a:pt x="120000" y="120000"/>
+                </a:lnTo>
+                <a:lnTo>
+                  <a:pt x="0" y="120000"/>
+                </a:lnTo>
+                <a:close/>
+              </a:path>
+            </a:pathLst>
+          </a:custGeom>
+        </p:spPr>
+      </p:sp>
+      <p:sp>
+        <p:nvSpPr>
+          <p:cNvPr id="88" name="Google Shape;88;g3102dd1ae07_0_33:notes"/>
+          <p:cNvSpPr txBox="1"/>
+          <p:nvPr>
+            <p:ph idx="1" type="body"/>
+          </p:nvPr>
+        </p:nvSpPr>
+        <p:spPr>
+          <a:xfrm>
+            <a:off x="685800" y="4343400"/>
+            <a:ext cx="5486400" cy="4114800"/>
+          </a:xfrm>
+          <a:prstGeom prst="rect">
+            <a:avLst/>
+          </a:prstGeom>
+        </p:spPr>
+        <p:txBody>
+          <a:bodyPr anchorCtr="0" anchor="t" bIns="91425" lIns="91425" spcFirstLastPara="1" rIns="91425" wrap="square" tIns="91425">
+            <a:noAutofit/>
+          </a:bodyPr>
+          <a:lstStyle/>
+          <a:p>
+            <a:pPr indent="0" lvl="0" marL="0" rtl="0" algn="l">
+              <a:spcBef>
+                <a:spcPts val="0"/>
+              </a:spcBef>
+              <a:spcAft>
+                <a:spcPts val="0"/>
+              </a:spcAft>
+              <a:buNone/>
+            </a:pPr>
+            <a:r>
+              <a:t/>
+            </a:r>
+            <a:endParaRPr/>
+          </a:p>
+        </p:txBody>
+      </p:sp>
+    </p:spTree>
+  </p:cSld>
+  <p:clrMapOvr>
+    <a:masterClrMapping/>
+  </p:clrMapOvr>
+</p:notes>
+</file>
+
+<file path=ppt/notesSlides/notesSlide9.xml><?xml version="1.0" encoding="utf-8"?>
+<p:notes xmlns:a="http://schemas.openxmlformats.org/drawingml/2006/main" xmlns:r="http://schemas.openxmlformats.org/officeDocument/2006/relationships" xmlns:mc="http://schemas.openxmlformats.org/markup-compatibility/2006" xmlns:mv="urn:schemas-microsoft-com:mac:vml" xmlns:p="http://schemas.openxmlformats.org/presentationml/2006/main" xmlns:c="http://schemas.openxmlformats.org/drawingml/2006/chart" xmlns:dgm="http://schemas.openxmlformats.org/drawingml/2006/diagram" xmlns:o="urn:schemas-microsoft-com:office:office" xmlns:v="urn:schemas-microsoft-com:vml" xmlns:pvml="urn:schemas-microsoft-com:office:powerpoint" xmlns:com="http://schemas.openxmlformats.org/drawingml/2006/compatibility" xmlns:p14="http://schemas.microsoft.com/office/powerpoint/2010/main" xmlns:p15="http://schemas.microsoft.com/office/powerpoint/2012/main" xmlns:ahyp="http://schemas.microsoft.com/office/drawing/2018/hyperlinkcolor" showMasterPhAnim="0" showMasterSp="0">
+  <p:cSld>
+    <p:spTree>
+      <p:nvGrpSpPr>
+        <p:cNvPr id="91" name="Shape 91"/>
+        <p:cNvGrpSpPr/>
+        <p:nvPr/>
+      </p:nvGrpSpPr>
+      <p:grpSpPr>
+        <a:xfrm>
+          <a:off x="0" y="0"/>
+          <a:ext cx="0" cy="0"/>
+          <a:chOff x="0" y="0"/>
+          <a:chExt cx="0" cy="0"/>
+        </a:xfrm>
+      </p:grpSpPr>
+      <p:sp>
+        <p:nvSpPr>
+          <p:cNvPr id="92" name="Google Shape;92;g3102dd1ae07_0_39:notes"/>
+          <p:cNvSpPr/>
+          <p:nvPr>
+            <p:ph idx="2" type="sldImg"/>
+          </p:nvPr>
+        </p:nvSpPr>
+        <p:spPr>
+          <a:xfrm>
+            <a:off x="381300" y="685800"/>
+            <a:ext cx="6096000" cy="3429000"/>
+          </a:xfrm>
+          <a:custGeom>
+            <a:rect b="b" l="l" r="r" t="t"/>
+            <a:pathLst>
+              <a:path extrusionOk="0" h="120000" w="120000">
+                <a:moveTo>
+                  <a:pt x="0" y="0"/>
+                </a:moveTo>
+                <a:lnTo>
+                  <a:pt x="120000" y="0"/>
+                </a:lnTo>
+                <a:lnTo>
+                  <a:pt x="120000" y="120000"/>
+                </a:lnTo>
+                <a:lnTo>
+                  <a:pt x="0" y="120000"/>
+                </a:lnTo>
+                <a:close/>
+              </a:path>
+            </a:pathLst>
+          </a:custGeom>
+        </p:spPr>
+      </p:sp>
+      <p:sp>
+        <p:nvSpPr>
+          <p:cNvPr id="93" name="Google Shape;93;g3102dd1ae07_0_39:notes"/>
           <p:cNvSpPr txBox="1"/>
           <p:nvPr>
             <p:ph idx="1" type="body"/>
@@ -6050,13 +6537,6 @@
 <file path=ppt/slides/slide1.xml><?xml version="1.0" encoding="utf-8"?>
 <p:sld xmlns:a="http://schemas.openxmlformats.org/drawingml/2006/main" xmlns:r="http://schemas.openxmlformats.org/officeDocument/2006/relationships" xmlns:mc="http://schemas.openxmlformats.org/markup-compatibility/2006" xmlns:mv="urn:schemas-microsoft-com:mac:vml" xmlns:p="http://schemas.openxmlformats.org/presentationml/2006/main" xmlns:c="http://schemas.openxmlformats.org/drawingml/2006/chart" xmlns:dgm="http://schemas.openxmlformats.org/drawingml/2006/diagram" xmlns:o="urn:schemas-microsoft-com:office:office" xmlns:v="urn:schemas-microsoft-com:vml" xmlns:pvml="urn:schemas-microsoft-com:office:powerpoint" xmlns:com="http://schemas.openxmlformats.org/drawingml/2006/compatibility" xmlns:p14="http://schemas.microsoft.com/office/powerpoint/2010/main" xmlns:p15="http://schemas.microsoft.com/office/powerpoint/2012/main" xmlns:ahyp="http://schemas.microsoft.com/office/drawing/2018/hyperlinkcolor">
   <p:cSld>
-    <p:bg>
-      <p:bgPr>
-        <a:solidFill>
-          <a:srgbClr val="E6B8AF"/>
-        </a:solidFill>
-      </p:bgPr>
-    </p:bg>
     <p:spTree>
       <p:nvGrpSpPr>
         <p:cNvPr id="53" name="Shape 53"/>
@@ -6075,73 +6555,19 @@
         <p:nvSpPr>
           <p:cNvPr id="54" name="Google Shape;54;p13"/>
           <p:cNvSpPr txBox="1"/>
-          <p:nvPr>
-            <p:ph type="ctrTitle"/>
-          </p:nvPr>
+          <p:nvPr/>
         </p:nvSpPr>
         <p:spPr>
           <a:xfrm>
-            <a:off x="311708" y="744575"/>
-            <a:ext cx="8520600" cy="2052600"/>
+            <a:off x="1729150" y="981800"/>
+            <a:ext cx="6183900" cy="1230900"/>
           </a:xfrm>
           <a:prstGeom prst="rect">
             <a:avLst/>
           </a:prstGeom>
-        </p:spPr>
-        <p:txBody>
-          <a:bodyPr anchorCtr="0" anchor="b" bIns="91425" lIns="91425" spcFirstLastPara="1" rIns="91425" wrap="square" tIns="91425">
-            <a:normAutofit/>
-          </a:bodyPr>
-          <a:lstStyle/>
-          <a:p>
-            <a:pPr indent="0" lvl="0" marL="0" rtl="0" algn="l">
-              <a:spcBef>
-                <a:spcPts val="0"/>
-              </a:spcBef>
-              <a:spcAft>
-                <a:spcPts val="0"/>
-              </a:spcAft>
-              <a:buNone/>
-            </a:pPr>
-            <a:r>
-              <a:rPr lang="ru"/>
-              <a:t>        </a:t>
-            </a:r>
-            <a:r>
-              <a:rPr lang="ru" sz="4200"/>
-              <a:t>Мой любимый фильм</a:t>
-            </a:r>
-            <a:endParaRPr sz="4200"/>
-          </a:p>
-        </p:txBody>
-      </p:sp>
-      <p:sp>
-        <p:nvSpPr>
-          <p:cNvPr id="55" name="Google Shape;55;p13"/>
-          <p:cNvSpPr txBox="1"/>
-          <p:nvPr>
-            <p:ph idx="1" type="subTitle"/>
-          </p:nvPr>
-        </p:nvSpPr>
-        <p:spPr>
-          <a:xfrm>
-            <a:off x="311700" y="2914475"/>
-            <a:ext cx="8520600" cy="792600"/>
-          </a:xfrm>
-          <a:prstGeom prst="rect">
-            <a:avLst/>
-          </a:prstGeom>
-          <a:solidFill>
-            <a:schemeClr val="lt1"/>
-          </a:solidFill>
-          <a:ln cap="flat" cmpd="sng" w="9525">
-            <a:solidFill>
-              <a:schemeClr val="lt1"/>
-            </a:solidFill>
-            <a:prstDash val="solid"/>
-            <a:round/>
-            <a:headEnd len="sm" w="sm" type="none"/>
-            <a:tailEnd len="sm" w="sm" type="none"/>
+          <a:noFill/>
+          <a:ln>
+            <a:noFill/>
           </a:ln>
         </p:spPr>
         <p:txBody>
@@ -6150,7 +6576,7 @@
           </a:bodyPr>
           <a:lstStyle/>
           <a:p>
-            <a:pPr indent="0" lvl="0" marL="0" rtl="0" algn="ctr">
+            <a:pPr indent="0" lvl="0" marL="0" rtl="0" algn="l">
               <a:spcBef>
                 <a:spcPts val="0"/>
               </a:spcBef>
@@ -6160,83 +6586,39 @@
               <a:buNone/>
             </a:pPr>
             <a:r>
-              <a:rPr i="1" lang="ru" sz="7500">
+              <a:rPr b="1" lang="ru" sz="3900">
                 <a:solidFill>
                   <a:schemeClr val="dk1"/>
                 </a:solidFill>
-                <a:highlight>
-                  <a:schemeClr val="lt1"/>
-                </a:highlight>
-                <a:latin typeface="Spectral"/>
-                <a:ea typeface="Spectral"/>
-                <a:cs typeface="Spectral"/>
-                <a:sym typeface="Spectral"/>
               </a:rPr>
-              <a:t>Hatiko</a:t>
+              <a:t>Опрос от строительной компании</a:t>
             </a:r>
-            <a:endParaRPr i="1" sz="7500">
+            <a:endParaRPr b="1" sz="3900">
               <a:solidFill>
                 <a:schemeClr val="dk1"/>
               </a:solidFill>
-              <a:highlight>
-                <a:schemeClr val="lt1"/>
-              </a:highlight>
-              <a:latin typeface="Spectral"/>
-              <a:ea typeface="Spectral"/>
-              <a:cs typeface="Spectral"/>
-              <a:sym typeface="Spectral"/>
             </a:endParaRPr>
           </a:p>
         </p:txBody>
       </p:sp>
-    </p:spTree>
-  </p:cSld>
-  <p:clrMapOvr>
-    <a:masterClrMapping/>
-  </p:clrMapOvr>
-</p:sld>
-</file>
-
-<file path=ppt/slides/slide2.xml><?xml version="1.0" encoding="utf-8"?>
-<p:sld xmlns:a="http://schemas.openxmlformats.org/drawingml/2006/main" xmlns:r="http://schemas.openxmlformats.org/officeDocument/2006/relationships" xmlns:mc="http://schemas.openxmlformats.org/markup-compatibility/2006" xmlns:mv="urn:schemas-microsoft-com:mac:vml" xmlns:p="http://schemas.openxmlformats.org/presentationml/2006/main" xmlns:c="http://schemas.openxmlformats.org/drawingml/2006/chart" xmlns:dgm="http://schemas.openxmlformats.org/drawingml/2006/diagram" xmlns:o="urn:schemas-microsoft-com:office:office" xmlns:v="urn:schemas-microsoft-com:vml" xmlns:pvml="urn:schemas-microsoft-com:office:powerpoint" xmlns:com="http://schemas.openxmlformats.org/drawingml/2006/compatibility" xmlns:p14="http://schemas.microsoft.com/office/powerpoint/2010/main" xmlns:p15="http://schemas.microsoft.com/office/powerpoint/2012/main" xmlns:ahyp="http://schemas.microsoft.com/office/drawing/2018/hyperlinkcolor">
-  <p:cSld>
-    <p:bg>
-      <p:bgPr>
-        <a:solidFill>
-          <a:srgbClr val="FFE599"/>
-        </a:solidFill>
-      </p:bgPr>
-    </p:bg>
-    <p:spTree>
-      <p:nvGrpSpPr>
-        <p:cNvPr id="59" name="Shape 59"/>
-        <p:cNvGrpSpPr/>
-        <p:nvPr/>
-      </p:nvGrpSpPr>
-      <p:grpSpPr>
-        <a:xfrm>
-          <a:off x="0" y="0"/>
-          <a:ext cx="0" cy="0"/>
-          <a:chOff x="0" y="0"/>
-          <a:chExt cx="0" cy="0"/>
-        </a:xfrm>
-      </p:grpSpPr>
       <p:sp>
         <p:nvSpPr>
-          <p:cNvPr id="60" name="Google Shape;60;p14"/>
+          <p:cNvPr id="55" name="Google Shape;55;p13"/>
           <p:cNvSpPr txBox="1"/>
-          <p:nvPr>
-            <p:ph type="title"/>
-          </p:nvPr>
+          <p:nvPr/>
         </p:nvSpPr>
         <p:spPr>
           <a:xfrm>
-            <a:off x="311700" y="445025"/>
-            <a:ext cx="8520600" cy="572700"/>
+            <a:off x="630125" y="3707425"/>
+            <a:ext cx="2579100" cy="791400"/>
           </a:xfrm>
           <a:prstGeom prst="rect">
             <a:avLst/>
           </a:prstGeom>
+          <a:noFill/>
+          <a:ln>
+            <a:noFill/>
+          </a:ln>
         </p:spPr>
         <p:txBody>
           <a:bodyPr anchorCtr="0" anchor="t" bIns="91425" lIns="91425" spcFirstLastPara="1" rIns="91425" wrap="square" tIns="91425">
@@ -6244,68 +6626,24 @@
           </a:bodyPr>
           <a:lstStyle/>
           <a:p>
-            <a:pPr indent="0" lvl="0" marL="0" rtl="0" algn="ctr">
-              <a:spcBef>
-                <a:spcPts val="0"/>
-              </a:spcBef>
-              <a:spcAft>
-                <a:spcPts val="0"/>
-              </a:spcAft>
-              <a:buSzPts val="990"/>
+            <a:pPr indent="0" lvl="0" marL="0" rtl="0" algn="l">
+              <a:spcBef>
+                <a:spcPts val="0"/>
+              </a:spcBef>
+              <a:spcAft>
+                <a:spcPts val="0"/>
+              </a:spcAft>
               <a:buNone/>
             </a:pPr>
             <a:r>
-              <a:rPr b="1" lang="ru" sz="2720"/>
-              <a:t>Информация о фильме</a:t>
-            </a:r>
-            <a:endParaRPr b="1" sz="2720"/>
-          </a:p>
-        </p:txBody>
-      </p:sp>
-      <p:sp>
-        <p:nvSpPr>
-          <p:cNvPr id="61" name="Google Shape;61;p14"/>
-          <p:cNvSpPr txBox="1"/>
-          <p:nvPr>
-            <p:ph idx="1" type="body"/>
-          </p:nvPr>
-        </p:nvSpPr>
-        <p:spPr>
-          <a:xfrm>
-            <a:off x="311700" y="1152475"/>
-            <a:ext cx="8520600" cy="3416400"/>
-          </a:xfrm>
-          <a:prstGeom prst="rect">
-            <a:avLst/>
-          </a:prstGeom>
-        </p:spPr>
-        <p:txBody>
-          <a:bodyPr anchorCtr="0" anchor="t" bIns="91425" lIns="91425" spcFirstLastPara="1" rIns="91425" wrap="square" tIns="91425">
-            <a:normAutofit/>
-          </a:bodyPr>
-          <a:lstStyle/>
-          <a:p>
-            <a:pPr indent="0" lvl="0" marL="0" rtl="0" algn="l">
-              <a:spcBef>
-                <a:spcPts val="0"/>
-              </a:spcBef>
-              <a:spcAft>
-                <a:spcPts val="1200"/>
-              </a:spcAft>
-              <a:buNone/>
-            </a:pPr>
-            <a:r>
-              <a:rPr lang="ru" sz="2350">
+              <a:rPr lang="ru" sz="1800">
                 <a:solidFill>
                   <a:schemeClr val="dk1"/>
                 </a:solidFill>
-                <a:highlight>
-                  <a:srgbClr val="FFFFFF"/>
-                </a:highlight>
               </a:rPr>
-              <a:t>«Хатико: Самый верный друг» — британско-американская драма режиссёра Лассе Халльстрёма, основанная на реальной истории Хатико — японского пса породы акита-ину, который в течение 9 лет каждый день в одно и то же время приходил на вокзал встречать умершего хозяина. Фильм является ремейком японского фильма 1987 года.</a:t>
+              <a:t>by Mukhammed</a:t>
             </a:r>
-            <a:endParaRPr sz="3100">
+            <a:endParaRPr sz="1800">
               <a:solidFill>
                 <a:schemeClr val="dk1"/>
               </a:solidFill>
@@ -6321,24 +6659,12 @@
 </p:sld>
 </file>
 
-<file path=ppt/slides/slide3.xml><?xml version="1.0" encoding="utf-8"?>
+<file path=ppt/slides/slide10.xml><?xml version="1.0" encoding="utf-8"?>
 <p:sld xmlns:a="http://schemas.openxmlformats.org/drawingml/2006/main" xmlns:r="http://schemas.openxmlformats.org/officeDocument/2006/relationships" xmlns:mc="http://schemas.openxmlformats.org/markup-compatibility/2006" xmlns:mv="urn:schemas-microsoft-com:mac:vml" xmlns:p="http://schemas.openxmlformats.org/presentationml/2006/main" xmlns:c="http://schemas.openxmlformats.org/drawingml/2006/chart" xmlns:dgm="http://schemas.openxmlformats.org/drawingml/2006/diagram" xmlns:o="urn:schemas-microsoft-com:office:office" xmlns:v="urn:schemas-microsoft-com:vml" xmlns:pvml="urn:schemas-microsoft-com:office:powerpoint" xmlns:com="http://schemas.openxmlformats.org/drawingml/2006/compatibility" xmlns:p14="http://schemas.microsoft.com/office/powerpoint/2010/main" xmlns:p15="http://schemas.microsoft.com/office/powerpoint/2012/main" xmlns:ahyp="http://schemas.microsoft.com/office/drawing/2018/hyperlinkcolor">
   <p:cSld>
-    <p:bg>
-      <p:bgPr>
-        <a:blipFill>
-          <a:blip r:embed="rId3">
-            <a:alphaModFix/>
-          </a:blip>
-          <a:stretch>
-            <a:fillRect/>
-          </a:stretch>
-        </a:blipFill>
-      </p:bgPr>
-    </p:bg>
     <p:spTree>
       <p:nvGrpSpPr>
-        <p:cNvPr id="65" name="Shape 65"/>
+        <p:cNvPr id="99" name="Shape 99"/>
         <p:cNvGrpSpPr/>
         <p:nvPr/>
       </p:nvGrpSpPr>
@@ -6350,428 +6676,9 @@
           <a:chExt cx="0" cy="0"/>
         </a:xfrm>
       </p:grpSpPr>
-      <p:sp>
-        <p:nvSpPr>
-          <p:cNvPr id="66" name="Google Shape;66;p15"/>
-          <p:cNvSpPr txBox="1"/>
-          <p:nvPr>
-            <p:ph type="title"/>
-          </p:nvPr>
-        </p:nvSpPr>
-        <p:spPr>
-          <a:xfrm>
-            <a:off x="311700" y="445025"/>
-            <a:ext cx="8520600" cy="572700"/>
-          </a:xfrm>
-          <a:prstGeom prst="rect">
-            <a:avLst/>
-          </a:prstGeom>
-        </p:spPr>
-        <p:txBody>
-          <a:bodyPr anchorCtr="0" anchor="t" bIns="91425" lIns="91425" spcFirstLastPara="1" rIns="91425" wrap="square" tIns="91425">
-            <a:noAutofit/>
-          </a:bodyPr>
-          <a:lstStyle/>
-          <a:p>
-            <a:pPr indent="0" lvl="0" marL="0" rtl="0" algn="ctr">
-              <a:spcBef>
-                <a:spcPts val="0"/>
-              </a:spcBef>
-              <a:spcAft>
-                <a:spcPts val="0"/>
-              </a:spcAft>
-              <a:buSzPts val="990"/>
-              <a:buNone/>
-            </a:pPr>
-            <a:r>
-              <a:rPr lang="ru" sz="3320">
-                <a:highlight>
-                  <a:schemeClr val="lt1"/>
-                </a:highlight>
-                <a:latin typeface="Lobster"/>
-                <a:ea typeface="Lobster"/>
-                <a:cs typeface="Lobster"/>
-                <a:sym typeface="Lobster"/>
-              </a:rPr>
-              <a:t>Сюжет фильма</a:t>
-            </a:r>
-            <a:endParaRPr sz="3320">
-              <a:highlight>
-                <a:schemeClr val="lt1"/>
-              </a:highlight>
-              <a:latin typeface="Lobster"/>
-              <a:ea typeface="Lobster"/>
-              <a:cs typeface="Lobster"/>
-              <a:sym typeface="Lobster"/>
-            </a:endParaRPr>
-          </a:p>
-        </p:txBody>
-      </p:sp>
-      <p:sp>
-        <p:nvSpPr>
-          <p:cNvPr id="67" name="Google Shape;67;p15"/>
-          <p:cNvSpPr txBox="1"/>
-          <p:nvPr>
-            <p:ph idx="1" type="body"/>
-          </p:nvPr>
-        </p:nvSpPr>
-        <p:spPr>
-          <a:xfrm>
-            <a:off x="311700" y="1152475"/>
-            <a:ext cx="8520600" cy="3416400"/>
-          </a:xfrm>
-          <a:prstGeom prst="rect">
-            <a:avLst/>
-          </a:prstGeom>
-        </p:spPr>
-        <p:txBody>
-          <a:bodyPr anchorCtr="0" anchor="t" bIns="91425" lIns="91425" spcFirstLastPara="1" rIns="91425" wrap="square" tIns="91425">
-            <a:normAutofit fontScale="25000" lnSpcReduction="10000"/>
-          </a:bodyPr>
-          <a:lstStyle/>
-          <a:p>
-            <a:pPr indent="0" lvl="0" marL="0" rtl="0" algn="l">
-              <a:spcBef>
-                <a:spcPts val="500"/>
-              </a:spcBef>
-              <a:spcAft>
-                <a:spcPts val="0"/>
-              </a:spcAft>
-              <a:buClr>
-                <a:schemeClr val="dk1"/>
-              </a:buClr>
-              <a:buSzPts val="275"/>
-              <a:buFont typeface="Arial"/>
-              <a:buNone/>
-            </a:pPr>
-            <a:r>
-              <a:rPr b="1" lang="ru" sz="7180">
-                <a:solidFill>
-                  <a:srgbClr val="202122"/>
-                </a:solidFill>
-                <a:highlight>
-                  <a:srgbClr val="FFFFFF"/>
-                </a:highlight>
-              </a:rPr>
-              <a:t>Профессор университета Паркер Уилсон находит на вокзале маленького потерявшегося щенка, отправленного из Японии в Америку. Так как за ним никто не является, Паркеру приходится оставить щенка у себя. За то время, что собака живёт у профессора, между ними возникает крепкая дружба. Паркер очень сильно привязывается к своему новому приятелю. Каждый день Хатико провожает хозяина до вокзала, когда тот отправляется на работу, а вечером приходит к вокзалу, чтобы встретить его. В один из дней профессор скоропостижно умирает на лекции в университете от сердечного приступа. Не дождавшись хозяина, Хатико продолжает приходить на станцию, не пропуская ни одного дня.</a:t>
-            </a:r>
-            <a:endParaRPr b="1" sz="7180">
-              <a:solidFill>
-                <a:srgbClr val="202122"/>
-              </a:solidFill>
-              <a:highlight>
-                <a:srgbClr val="FFFFFF"/>
-              </a:highlight>
-            </a:endParaRPr>
-          </a:p>
-          <a:p>
-            <a:pPr indent="0" lvl="0" marL="0" rtl="0" algn="l">
-              <a:spcBef>
-                <a:spcPts val="500"/>
-              </a:spcBef>
-              <a:spcAft>
-                <a:spcPts val="0"/>
-              </a:spcAft>
-              <a:buClr>
-                <a:schemeClr val="dk1"/>
-              </a:buClr>
-              <a:buSzPct val="28149"/>
-              <a:buFont typeface="Arial"/>
-              <a:buNone/>
-            </a:pPr>
-            <a:r>
-              <a:t/>
-            </a:r>
-            <a:endParaRPr b="1" sz="3907">
-              <a:solidFill>
-                <a:srgbClr val="202122"/>
-              </a:solidFill>
-              <a:highlight>
-                <a:srgbClr val="FFFFFF"/>
-              </a:highlight>
-            </a:endParaRPr>
-          </a:p>
-          <a:p>
-            <a:pPr indent="0" lvl="0" marL="0" rtl="0" algn="l">
-              <a:spcBef>
-                <a:spcPts val="500"/>
-              </a:spcBef>
-              <a:spcAft>
-                <a:spcPts val="1200"/>
-              </a:spcAft>
-              <a:buNone/>
-            </a:pPr>
-            <a:r>
-              <a:t/>
-            </a:r>
-            <a:endParaRPr/>
-          </a:p>
-        </p:txBody>
-      </p:sp>
-    </p:spTree>
-  </p:cSld>
-  <p:clrMapOvr>
-    <a:masterClrMapping/>
-  </p:clrMapOvr>
-</p:sld>
-</file>
-
-<file path=ppt/slides/slide4.xml><?xml version="1.0" encoding="utf-8"?>
-<p:sld xmlns:a="http://schemas.openxmlformats.org/drawingml/2006/main" xmlns:r="http://schemas.openxmlformats.org/officeDocument/2006/relationships" xmlns:mc="http://schemas.openxmlformats.org/markup-compatibility/2006" xmlns:mv="urn:schemas-microsoft-com:mac:vml" xmlns:p="http://schemas.openxmlformats.org/presentationml/2006/main" xmlns:c="http://schemas.openxmlformats.org/drawingml/2006/chart" xmlns:dgm="http://schemas.openxmlformats.org/drawingml/2006/diagram" xmlns:o="urn:schemas-microsoft-com:office:office" xmlns:v="urn:schemas-microsoft-com:vml" xmlns:pvml="urn:schemas-microsoft-com:office:powerpoint" xmlns:com="http://schemas.openxmlformats.org/drawingml/2006/compatibility" xmlns:p14="http://schemas.microsoft.com/office/powerpoint/2010/main" xmlns:p15="http://schemas.microsoft.com/office/powerpoint/2012/main" xmlns:ahyp="http://schemas.microsoft.com/office/drawing/2018/hyperlinkcolor">
-  <p:cSld>
-    <p:bg>
-      <p:bgPr>
-        <a:blipFill>
-          <a:blip r:embed="rId3">
-            <a:alphaModFix/>
-          </a:blip>
-          <a:stretch>
-            <a:fillRect/>
-          </a:stretch>
-        </a:blipFill>
-      </p:bgPr>
-    </p:bg>
-    <p:spTree>
-      <p:nvGrpSpPr>
-        <p:cNvPr id="71" name="Shape 71"/>
-        <p:cNvGrpSpPr/>
-        <p:nvPr/>
-      </p:nvGrpSpPr>
-      <p:grpSpPr>
-        <a:xfrm>
-          <a:off x="0" y="0"/>
-          <a:ext cx="0" cy="0"/>
-          <a:chOff x="0" y="0"/>
-          <a:chExt cx="0" cy="0"/>
-        </a:xfrm>
-      </p:grpSpPr>
-      <p:sp>
-        <p:nvSpPr>
-          <p:cNvPr id="72" name="Google Shape;72;p16"/>
-          <p:cNvSpPr txBox="1"/>
-          <p:nvPr>
-            <p:ph type="title"/>
-          </p:nvPr>
-        </p:nvSpPr>
-        <p:spPr>
-          <a:xfrm>
-            <a:off x="311700" y="445025"/>
-            <a:ext cx="8520600" cy="572700"/>
-          </a:xfrm>
-          <a:prstGeom prst="rect">
-            <a:avLst/>
-          </a:prstGeom>
-          <a:solidFill>
-            <a:schemeClr val="lt1"/>
-          </a:solidFill>
-        </p:spPr>
-        <p:txBody>
-          <a:bodyPr anchorCtr="0" anchor="t" bIns="91425" lIns="91425" spcFirstLastPara="1" rIns="91425" wrap="square" tIns="91425">
-            <a:noAutofit/>
-          </a:bodyPr>
-          <a:lstStyle/>
-          <a:p>
-            <a:pPr indent="0" lvl="0" marL="0" rtl="0" algn="ctr">
-              <a:spcBef>
-                <a:spcPts val="0"/>
-              </a:spcBef>
-              <a:spcAft>
-                <a:spcPts val="0"/>
-              </a:spcAft>
-              <a:buSzPts val="990"/>
-              <a:buNone/>
-            </a:pPr>
-            <a:r>
-              <a:rPr lang="ru" sz="3020">
-                <a:latin typeface="Lobster"/>
-                <a:ea typeface="Lobster"/>
-                <a:cs typeface="Lobster"/>
-                <a:sym typeface="Lobster"/>
-              </a:rPr>
-              <a:t>Продолжение</a:t>
-            </a:r>
-            <a:endParaRPr sz="3020">
-              <a:latin typeface="Lobster"/>
-              <a:ea typeface="Lobster"/>
-              <a:cs typeface="Lobster"/>
-              <a:sym typeface="Lobster"/>
-            </a:endParaRPr>
-          </a:p>
-        </p:txBody>
-      </p:sp>
-      <p:sp>
-        <p:nvSpPr>
-          <p:cNvPr id="73" name="Google Shape;73;p16"/>
-          <p:cNvSpPr txBox="1"/>
-          <p:nvPr>
-            <p:ph idx="1" type="body"/>
-          </p:nvPr>
-        </p:nvSpPr>
-        <p:spPr>
-          <a:xfrm>
-            <a:off x="311700" y="1152475"/>
-            <a:ext cx="8520600" cy="3416400"/>
-          </a:xfrm>
-          <a:prstGeom prst="rect">
-            <a:avLst/>
-          </a:prstGeom>
-        </p:spPr>
-        <p:txBody>
-          <a:bodyPr anchorCtr="0" anchor="t" bIns="91425" lIns="91425" spcFirstLastPara="1" rIns="91425" wrap="square" tIns="91425">
-            <a:normAutofit fontScale="47500" lnSpcReduction="10000"/>
-          </a:bodyPr>
-          <a:lstStyle/>
-          <a:p>
-            <a:pPr indent="0" lvl="0" marL="0" rtl="0" algn="l">
-              <a:spcBef>
-                <a:spcPts val="500"/>
-              </a:spcBef>
-              <a:spcAft>
-                <a:spcPts val="0"/>
-              </a:spcAft>
-              <a:buClr>
-                <a:schemeClr val="dk1"/>
-              </a:buClr>
-              <a:buSzPct val="28149"/>
-              <a:buFont typeface="Arial"/>
-              <a:buNone/>
-            </a:pPr>
-            <a:r>
-              <a:rPr b="1" lang="ru" sz="3907">
-                <a:solidFill>
-                  <a:srgbClr val="202122"/>
-                </a:solidFill>
-                <a:highlight>
-                  <a:srgbClr val="FFFFFF"/>
-                </a:highlight>
-              </a:rPr>
-              <a:t>Несмотря на то, что пса пытаются забрать себе родственники профессора, он неизменно возвращается на станцию. Местные торговцы и железнодорожники подкармливают Хатико, восхищаясь его упорством и преданностью.</a:t>
-            </a:r>
-            <a:endParaRPr b="1" sz="3907">
-              <a:solidFill>
-                <a:srgbClr val="202122"/>
-              </a:solidFill>
-              <a:highlight>
-                <a:srgbClr val="FFFFFF"/>
-              </a:highlight>
-            </a:endParaRPr>
-          </a:p>
-          <a:p>
-            <a:pPr indent="0" lvl="0" marL="0" rtl="0" algn="l">
-              <a:spcBef>
-                <a:spcPts val="500"/>
-              </a:spcBef>
-              <a:spcAft>
-                <a:spcPts val="500"/>
-              </a:spcAft>
-              <a:buClr>
-                <a:schemeClr val="dk1"/>
-              </a:buClr>
-              <a:buSzPct val="28149"/>
-              <a:buFont typeface="Arial"/>
-              <a:buNone/>
-            </a:pPr>
-            <a:r>
-              <a:rPr b="1" lang="ru" sz="3907">
-                <a:solidFill>
-                  <a:srgbClr val="202122"/>
-                </a:solidFill>
-                <a:highlight>
-                  <a:srgbClr val="FFFFFF"/>
-                </a:highlight>
-              </a:rPr>
-              <a:t>Вскоре о необычной собаке узнают газетчики, и Хатико становится героем прессы. До конца своих дней Хатико ежедневно приходит на станцию к прибытию поезда и ждёт до самого вечера, что вот-вот его хозяин выйдет из очередного поезда. Он так и не приходит, но Хатико — верный пёс — не оставляет своего места. На этой станции преданный пёс и умирает, так и не дождавшись своего хозяина.</a:t>
-            </a:r>
-            <a:endParaRPr/>
-          </a:p>
-        </p:txBody>
-      </p:sp>
-    </p:spTree>
-  </p:cSld>
-  <p:clrMapOvr>
-    <a:masterClrMapping/>
-  </p:clrMapOvr>
-</p:sld>
-</file>
-
-<file path=ppt/slides/slide5.xml><?xml version="1.0" encoding="utf-8"?>
-<p:sld xmlns:a="http://schemas.openxmlformats.org/drawingml/2006/main" xmlns:r="http://schemas.openxmlformats.org/officeDocument/2006/relationships" xmlns:mc="http://schemas.openxmlformats.org/markup-compatibility/2006" xmlns:mv="urn:schemas-microsoft-com:mac:vml" xmlns:p="http://schemas.openxmlformats.org/presentationml/2006/main" xmlns:c="http://schemas.openxmlformats.org/drawingml/2006/chart" xmlns:dgm="http://schemas.openxmlformats.org/drawingml/2006/diagram" xmlns:o="urn:schemas-microsoft-com:office:office" xmlns:v="urn:schemas-microsoft-com:vml" xmlns:pvml="urn:schemas-microsoft-com:office:powerpoint" xmlns:com="http://schemas.openxmlformats.org/drawingml/2006/compatibility" xmlns:p14="http://schemas.microsoft.com/office/powerpoint/2010/main" xmlns:p15="http://schemas.microsoft.com/office/powerpoint/2012/main" xmlns:ahyp="http://schemas.microsoft.com/office/drawing/2018/hyperlinkcolor">
-  <p:cSld>
-    <p:bg>
-      <p:bgPr>
-        <a:solidFill>
-          <a:srgbClr val="B6D7A8"/>
-        </a:solidFill>
-      </p:bgPr>
-    </p:bg>
-    <p:spTree>
-      <p:nvGrpSpPr>
-        <p:cNvPr id="77" name="Shape 77"/>
-        <p:cNvGrpSpPr/>
-        <p:nvPr/>
-      </p:nvGrpSpPr>
-      <p:grpSpPr>
-        <a:xfrm>
-          <a:off x="0" y="0"/>
-          <a:ext cx="0" cy="0"/>
-          <a:chOff x="0" y="0"/>
-          <a:chExt cx="0" cy="0"/>
-        </a:xfrm>
-      </p:grpSpPr>
-      <p:sp>
-        <p:nvSpPr>
-          <p:cNvPr id="78" name="Google Shape;78;p17"/>
-          <p:cNvSpPr txBox="1"/>
-          <p:nvPr>
-            <p:ph type="title"/>
-          </p:nvPr>
-        </p:nvSpPr>
-        <p:spPr>
-          <a:xfrm>
-            <a:off x="311700" y="445025"/>
-            <a:ext cx="8520600" cy="572700"/>
-          </a:xfrm>
-          <a:prstGeom prst="rect">
-            <a:avLst/>
-          </a:prstGeom>
-        </p:spPr>
-        <p:txBody>
-          <a:bodyPr anchorCtr="0" anchor="t" bIns="91425" lIns="91425" spcFirstLastPara="1" rIns="91425" wrap="square" tIns="91425">
-            <a:noAutofit/>
-          </a:bodyPr>
-          <a:lstStyle/>
-          <a:p>
-            <a:pPr indent="0" lvl="0" marL="0" rtl="0" algn="ctr">
-              <a:spcBef>
-                <a:spcPts val="0"/>
-              </a:spcBef>
-              <a:spcAft>
-                <a:spcPts val="0"/>
-              </a:spcAft>
-              <a:buSzPts val="990"/>
-              <a:buNone/>
-            </a:pPr>
-            <a:r>
-              <a:rPr i="1" lang="ru" sz="2920">
-                <a:latin typeface="Comic Sans MS"/>
-                <a:ea typeface="Comic Sans MS"/>
-                <a:cs typeface="Comic Sans MS"/>
-                <a:sym typeface="Comic Sans MS"/>
-              </a:rPr>
-              <a:t>Хатико - самый верный друг</a:t>
-            </a:r>
-            <a:endParaRPr i="1" sz="2920">
-              <a:latin typeface="Comic Sans MS"/>
-              <a:ea typeface="Comic Sans MS"/>
-              <a:cs typeface="Comic Sans MS"/>
-              <a:sym typeface="Comic Sans MS"/>
-            </a:endParaRPr>
-          </a:p>
-        </p:txBody>
-      </p:sp>
       <p:pic>
         <p:nvPicPr>
-          <p:cNvPr id="79" name="Google Shape;79;p17"/>
+          <p:cNvPr descr="Диаграмма ответов в Формах. Вопрос: Некоторые люди инвестируют в строительства, как вы думаете об этом?. Количество ответов: 104 ответа." id="100" name="Google Shape;100;p22" title="Некоторые люди инвестируют в строительства, как вы думаете об этом?"/>
           <p:cNvPicPr preferRelativeResize="0"/>
           <p:nvPr/>
         </p:nvPicPr>
@@ -6785,8 +6692,326 @@
         </p:blipFill>
         <p:spPr>
           <a:xfrm>
-            <a:off x="1928800" y="1548013"/>
-            <a:ext cx="4688075" cy="2625325"/>
+            <a:off x="152400" y="152400"/>
+            <a:ext cx="8839204" cy="3720407"/>
+          </a:xfrm>
+          <a:prstGeom prst="rect">
+            <a:avLst/>
+          </a:prstGeom>
+          <a:noFill/>
+          <a:ln>
+            <a:noFill/>
+          </a:ln>
+        </p:spPr>
+      </p:pic>
+    </p:spTree>
+  </p:cSld>
+  <p:clrMapOvr>
+    <a:masterClrMapping/>
+  </p:clrMapOvr>
+</p:sld>
+</file>
+
+<file path=ppt/slides/slide11.xml><?xml version="1.0" encoding="utf-8"?>
+<p:sld xmlns:a="http://schemas.openxmlformats.org/drawingml/2006/main" xmlns:r="http://schemas.openxmlformats.org/officeDocument/2006/relationships" xmlns:mc="http://schemas.openxmlformats.org/markup-compatibility/2006" xmlns:mv="urn:schemas-microsoft-com:mac:vml" xmlns:p="http://schemas.openxmlformats.org/presentationml/2006/main" xmlns:c="http://schemas.openxmlformats.org/drawingml/2006/chart" xmlns:dgm="http://schemas.openxmlformats.org/drawingml/2006/diagram" xmlns:o="urn:schemas-microsoft-com:office:office" xmlns:v="urn:schemas-microsoft-com:vml" xmlns:pvml="urn:schemas-microsoft-com:office:powerpoint" xmlns:com="http://schemas.openxmlformats.org/drawingml/2006/compatibility" xmlns:p14="http://schemas.microsoft.com/office/powerpoint/2010/main" xmlns:p15="http://schemas.microsoft.com/office/powerpoint/2012/main" xmlns:ahyp="http://schemas.microsoft.com/office/drawing/2018/hyperlinkcolor">
+  <p:cSld>
+    <p:spTree>
+      <p:nvGrpSpPr>
+        <p:cNvPr id="104" name="Shape 104"/>
+        <p:cNvGrpSpPr/>
+        <p:nvPr/>
+      </p:nvGrpSpPr>
+      <p:grpSpPr>
+        <a:xfrm>
+          <a:off x="0" y="0"/>
+          <a:ext cx="0" cy="0"/>
+          <a:chOff x="0" y="0"/>
+          <a:chExt cx="0" cy="0"/>
+        </a:xfrm>
+      </p:grpSpPr>
+      <p:pic>
+        <p:nvPicPr>
+          <p:cNvPr descr="Диаграмма ответов в Формах. Вопрос: Важна ли вам наличие парковки для каждого жителя дома?. Количество ответов: 96 ответов." id="105" name="Google Shape;105;p23" title="Важна ли вам наличие парковки для каждого жителя дома?"/>
+          <p:cNvPicPr preferRelativeResize="0"/>
+          <p:nvPr/>
+        </p:nvPicPr>
+        <p:blipFill>
+          <a:blip r:embed="rId3">
+            <a:alphaModFix/>
+          </a:blip>
+          <a:stretch>
+            <a:fillRect/>
+          </a:stretch>
+        </p:blipFill>
+        <p:spPr>
+          <a:xfrm>
+            <a:off x="152400" y="152400"/>
+            <a:ext cx="8839204" cy="3720407"/>
+          </a:xfrm>
+          <a:prstGeom prst="rect">
+            <a:avLst/>
+          </a:prstGeom>
+          <a:noFill/>
+          <a:ln>
+            <a:noFill/>
+          </a:ln>
+        </p:spPr>
+      </p:pic>
+    </p:spTree>
+  </p:cSld>
+  <p:clrMapOvr>
+    <a:masterClrMapping/>
+  </p:clrMapOvr>
+</p:sld>
+</file>
+
+<file path=ppt/slides/slide12.xml><?xml version="1.0" encoding="utf-8"?>
+<p:sld xmlns:a="http://schemas.openxmlformats.org/drawingml/2006/main" xmlns:r="http://schemas.openxmlformats.org/officeDocument/2006/relationships" xmlns:mc="http://schemas.openxmlformats.org/markup-compatibility/2006" xmlns:mv="urn:schemas-microsoft-com:mac:vml" xmlns:p="http://schemas.openxmlformats.org/presentationml/2006/main" xmlns:c="http://schemas.openxmlformats.org/drawingml/2006/chart" xmlns:dgm="http://schemas.openxmlformats.org/drawingml/2006/diagram" xmlns:o="urn:schemas-microsoft-com:office:office" xmlns:v="urn:schemas-microsoft-com:vml" xmlns:pvml="urn:schemas-microsoft-com:office:powerpoint" xmlns:com="http://schemas.openxmlformats.org/drawingml/2006/compatibility" xmlns:p14="http://schemas.microsoft.com/office/powerpoint/2010/main" xmlns:p15="http://schemas.microsoft.com/office/powerpoint/2012/main" xmlns:ahyp="http://schemas.microsoft.com/office/drawing/2018/hyperlinkcolor">
+  <p:cSld>
+    <p:spTree>
+      <p:nvGrpSpPr>
+        <p:cNvPr id="109" name="Shape 109"/>
+        <p:cNvGrpSpPr/>
+        <p:nvPr/>
+      </p:nvGrpSpPr>
+      <p:grpSpPr>
+        <a:xfrm>
+          <a:off x="0" y="0"/>
+          <a:ext cx="0" cy="0"/>
+          <a:chOff x="0" y="0"/>
+          <a:chExt cx="0" cy="0"/>
+        </a:xfrm>
+      </p:grpSpPr>
+      <p:pic>
+        <p:nvPicPr>
+          <p:cNvPr descr="Диаграмма ответов в Формах. Вопрос: Вам интересно наблюдать за 3D-моделью проекта?. Количество ответов: 104 ответа." id="110" name="Google Shape;110;p24" title="Вам интересно наблюдать за 3D-моделью проекта?"/>
+          <p:cNvPicPr preferRelativeResize="0"/>
+          <p:nvPr/>
+        </p:nvPicPr>
+        <p:blipFill>
+          <a:blip r:embed="rId3">
+            <a:alphaModFix/>
+          </a:blip>
+          <a:stretch>
+            <a:fillRect/>
+          </a:stretch>
+        </p:blipFill>
+        <p:spPr>
+          <a:xfrm>
+            <a:off x="152400" y="152400"/>
+            <a:ext cx="8839204" cy="3720407"/>
+          </a:xfrm>
+          <a:prstGeom prst="rect">
+            <a:avLst/>
+          </a:prstGeom>
+          <a:noFill/>
+          <a:ln>
+            <a:noFill/>
+          </a:ln>
+        </p:spPr>
+      </p:pic>
+    </p:spTree>
+  </p:cSld>
+  <p:clrMapOvr>
+    <a:masterClrMapping/>
+  </p:clrMapOvr>
+</p:sld>
+</file>
+
+<file path=ppt/slides/slide2.xml><?xml version="1.0" encoding="utf-8"?>
+<p:sld xmlns:a="http://schemas.openxmlformats.org/drawingml/2006/main" xmlns:r="http://schemas.openxmlformats.org/officeDocument/2006/relationships" xmlns:mc="http://schemas.openxmlformats.org/markup-compatibility/2006" xmlns:mv="urn:schemas-microsoft-com:mac:vml" xmlns:p="http://schemas.openxmlformats.org/presentationml/2006/main" xmlns:c="http://schemas.openxmlformats.org/drawingml/2006/chart" xmlns:dgm="http://schemas.openxmlformats.org/drawingml/2006/diagram" xmlns:o="urn:schemas-microsoft-com:office:office" xmlns:v="urn:schemas-microsoft-com:vml" xmlns:pvml="urn:schemas-microsoft-com:office:powerpoint" xmlns:com="http://schemas.openxmlformats.org/drawingml/2006/compatibility" xmlns:p14="http://schemas.microsoft.com/office/powerpoint/2010/main" xmlns:p15="http://schemas.microsoft.com/office/powerpoint/2012/main" xmlns:ahyp="http://schemas.microsoft.com/office/drawing/2018/hyperlinkcolor">
+  <p:cSld>
+    <p:spTree>
+      <p:nvGrpSpPr>
+        <p:cNvPr id="59" name="Shape 59"/>
+        <p:cNvGrpSpPr/>
+        <p:nvPr/>
+      </p:nvGrpSpPr>
+      <p:grpSpPr>
+        <a:xfrm>
+          <a:off x="0" y="0"/>
+          <a:ext cx="0" cy="0"/>
+          <a:chOff x="0" y="0"/>
+          <a:chExt cx="0" cy="0"/>
+        </a:xfrm>
+      </p:grpSpPr>
+      <p:pic>
+        <p:nvPicPr>
+          <p:cNvPr id="60" name="Google Shape;60;p14"/>
+          <p:cNvPicPr preferRelativeResize="0"/>
+          <p:nvPr/>
+        </p:nvPicPr>
+        <p:blipFill>
+          <a:blip r:embed="rId3">
+            <a:alphaModFix/>
+          </a:blip>
+          <a:stretch>
+            <a:fillRect/>
+          </a:stretch>
+        </p:blipFill>
+        <p:spPr>
+          <a:xfrm>
+            <a:off x="489425" y="1295400"/>
+            <a:ext cx="7362825" cy="1695450"/>
+          </a:xfrm>
+          <a:prstGeom prst="rect">
+            <a:avLst/>
+          </a:prstGeom>
+          <a:noFill/>
+          <a:ln>
+            <a:noFill/>
+          </a:ln>
+        </p:spPr>
+      </p:pic>
+    </p:spTree>
+  </p:cSld>
+  <p:clrMapOvr>
+    <a:masterClrMapping/>
+  </p:clrMapOvr>
+</p:sld>
+</file>
+
+<file path=ppt/slides/slide3.xml><?xml version="1.0" encoding="utf-8"?>
+<p:sld xmlns:a="http://schemas.openxmlformats.org/drawingml/2006/main" xmlns:r="http://schemas.openxmlformats.org/officeDocument/2006/relationships" xmlns:mc="http://schemas.openxmlformats.org/markup-compatibility/2006" xmlns:mv="urn:schemas-microsoft-com:mac:vml" xmlns:p="http://schemas.openxmlformats.org/presentationml/2006/main" xmlns:c="http://schemas.openxmlformats.org/drawingml/2006/chart" xmlns:dgm="http://schemas.openxmlformats.org/drawingml/2006/diagram" xmlns:o="urn:schemas-microsoft-com:office:office" xmlns:v="urn:schemas-microsoft-com:vml" xmlns:pvml="urn:schemas-microsoft-com:office:powerpoint" xmlns:com="http://schemas.openxmlformats.org/drawingml/2006/compatibility" xmlns:p14="http://schemas.microsoft.com/office/powerpoint/2010/main" xmlns:p15="http://schemas.microsoft.com/office/powerpoint/2012/main" xmlns:ahyp="http://schemas.microsoft.com/office/drawing/2018/hyperlinkcolor">
+  <p:cSld>
+    <p:spTree>
+      <p:nvGrpSpPr>
+        <p:cNvPr id="64" name="Shape 64"/>
+        <p:cNvGrpSpPr/>
+        <p:nvPr/>
+      </p:nvGrpSpPr>
+      <p:grpSpPr>
+        <a:xfrm>
+          <a:off x="0" y="0"/>
+          <a:ext cx="0" cy="0"/>
+          <a:chOff x="0" y="0"/>
+          <a:chExt cx="0" cy="0"/>
+        </a:xfrm>
+      </p:grpSpPr>
+      <p:pic>
+        <p:nvPicPr>
+          <p:cNvPr descr="Диаграмма ответов в Формах. Вопрос: Что для вас важно при выборе строительной компании?. Количество ответов: 104 ответа." id="65" name="Google Shape;65;p15" title="Что для вас важно при выборе строительной компании?"/>
+          <p:cNvPicPr preferRelativeResize="0"/>
+          <p:nvPr/>
+        </p:nvPicPr>
+        <p:blipFill>
+          <a:blip r:embed="rId3">
+            <a:alphaModFix/>
+          </a:blip>
+          <a:stretch>
+            <a:fillRect/>
+          </a:stretch>
+        </p:blipFill>
+        <p:spPr>
+          <a:xfrm>
+            <a:off x="152400" y="152400"/>
+            <a:ext cx="8839204" cy="3720407"/>
+          </a:xfrm>
+          <a:prstGeom prst="rect">
+            <a:avLst/>
+          </a:prstGeom>
+          <a:noFill/>
+          <a:ln>
+            <a:noFill/>
+          </a:ln>
+        </p:spPr>
+      </p:pic>
+    </p:spTree>
+  </p:cSld>
+  <p:clrMapOvr>
+    <a:masterClrMapping/>
+  </p:clrMapOvr>
+</p:sld>
+</file>
+
+<file path=ppt/slides/slide4.xml><?xml version="1.0" encoding="utf-8"?>
+<p:sld xmlns:a="http://schemas.openxmlformats.org/drawingml/2006/main" xmlns:r="http://schemas.openxmlformats.org/officeDocument/2006/relationships" xmlns:mc="http://schemas.openxmlformats.org/markup-compatibility/2006" xmlns:mv="urn:schemas-microsoft-com:mac:vml" xmlns:p="http://schemas.openxmlformats.org/presentationml/2006/main" xmlns:c="http://schemas.openxmlformats.org/drawingml/2006/chart" xmlns:dgm="http://schemas.openxmlformats.org/drawingml/2006/diagram" xmlns:o="urn:schemas-microsoft-com:office:office" xmlns:v="urn:schemas-microsoft-com:vml" xmlns:pvml="urn:schemas-microsoft-com:office:powerpoint" xmlns:com="http://schemas.openxmlformats.org/drawingml/2006/compatibility" xmlns:p14="http://schemas.microsoft.com/office/powerpoint/2010/main" xmlns:p15="http://schemas.microsoft.com/office/powerpoint/2012/main" xmlns:ahyp="http://schemas.microsoft.com/office/drawing/2018/hyperlinkcolor">
+  <p:cSld>
+    <p:spTree>
+      <p:nvGrpSpPr>
+        <p:cNvPr id="69" name="Shape 69"/>
+        <p:cNvGrpSpPr/>
+        <p:nvPr/>
+      </p:nvGrpSpPr>
+      <p:grpSpPr>
+        <a:xfrm>
+          <a:off x="0" y="0"/>
+          <a:ext cx="0" cy="0"/>
+          <a:chOff x="0" y="0"/>
+          <a:chExt cx="0" cy="0"/>
+        </a:xfrm>
+      </p:grpSpPr>
+      <p:pic>
+        <p:nvPicPr>
+          <p:cNvPr descr="Диаграмма ответов в Формах. Вопрос: Какие виды услуг в строительстве вам интересны?. Количество ответов: 104 ответа." id="70" name="Google Shape;70;p16" title="Какие виды услуг в строительстве вам интересны?"/>
+          <p:cNvPicPr preferRelativeResize="0"/>
+          <p:nvPr/>
+        </p:nvPicPr>
+        <p:blipFill>
+          <a:blip r:embed="rId3">
+            <a:alphaModFix/>
+          </a:blip>
+          <a:stretch>
+            <a:fillRect/>
+          </a:stretch>
+        </p:blipFill>
+        <p:spPr>
+          <a:xfrm>
+            <a:off x="152400" y="152400"/>
+            <a:ext cx="8839204" cy="3720407"/>
+          </a:xfrm>
+          <a:prstGeom prst="rect">
+            <a:avLst/>
+          </a:prstGeom>
+          <a:noFill/>
+          <a:ln>
+            <a:noFill/>
+          </a:ln>
+        </p:spPr>
+      </p:pic>
+    </p:spTree>
+  </p:cSld>
+  <p:clrMapOvr>
+    <a:masterClrMapping/>
+  </p:clrMapOvr>
+</p:sld>
+</file>
+
+<file path=ppt/slides/slide5.xml><?xml version="1.0" encoding="utf-8"?>
+<p:sld xmlns:a="http://schemas.openxmlformats.org/drawingml/2006/main" xmlns:r="http://schemas.openxmlformats.org/officeDocument/2006/relationships" xmlns:mc="http://schemas.openxmlformats.org/markup-compatibility/2006" xmlns:mv="urn:schemas-microsoft-com:mac:vml" xmlns:p="http://schemas.openxmlformats.org/presentationml/2006/main" xmlns:c="http://schemas.openxmlformats.org/drawingml/2006/chart" xmlns:dgm="http://schemas.openxmlformats.org/drawingml/2006/diagram" xmlns:o="urn:schemas-microsoft-com:office:office" xmlns:v="urn:schemas-microsoft-com:vml" xmlns:pvml="urn:schemas-microsoft-com:office:powerpoint" xmlns:com="http://schemas.openxmlformats.org/drawingml/2006/compatibility" xmlns:p14="http://schemas.microsoft.com/office/powerpoint/2010/main" xmlns:p15="http://schemas.microsoft.com/office/powerpoint/2012/main" xmlns:ahyp="http://schemas.microsoft.com/office/drawing/2018/hyperlinkcolor">
+  <p:cSld>
+    <p:spTree>
+      <p:nvGrpSpPr>
+        <p:cNvPr id="74" name="Shape 74"/>
+        <p:cNvGrpSpPr/>
+        <p:nvPr/>
+      </p:nvGrpSpPr>
+      <p:grpSpPr>
+        <a:xfrm>
+          <a:off x="0" y="0"/>
+          <a:ext cx="0" cy="0"/>
+          <a:chOff x="0" y="0"/>
+          <a:chExt cx="0" cy="0"/>
+        </a:xfrm>
+      </p:grpSpPr>
+      <p:pic>
+        <p:nvPicPr>
+          <p:cNvPr descr="Диаграмма ответов в Формах. Вопрос: Оцените от 1 до 10 внешний вид строительства от Avangard Style. Количество ответов: 104 ответа." id="75" name="Google Shape;75;p17" title="Оцените от 1 до 10 внешний вид строительства от Avangard Style"/>
+          <p:cNvPicPr preferRelativeResize="0"/>
+          <p:nvPr/>
+        </p:nvPicPr>
+        <p:blipFill>
+          <a:blip r:embed="rId3">
+            <a:alphaModFix/>
+          </a:blip>
+          <a:stretch>
+            <a:fillRect/>
+          </a:stretch>
+        </p:blipFill>
+        <p:spPr>
+          <a:xfrm>
+            <a:off x="152400" y="152400"/>
+            <a:ext cx="8839204" cy="4203801"/>
           </a:xfrm>
           <a:prstGeom prst="rect">
             <a:avLst/>
@@ -6808,16 +7033,9 @@
 <file path=ppt/slides/slide6.xml><?xml version="1.0" encoding="utf-8"?>
 <p:sld xmlns:a="http://schemas.openxmlformats.org/drawingml/2006/main" xmlns:r="http://schemas.openxmlformats.org/officeDocument/2006/relationships" xmlns:mc="http://schemas.openxmlformats.org/markup-compatibility/2006" xmlns:mv="urn:schemas-microsoft-com:mac:vml" xmlns:p="http://schemas.openxmlformats.org/presentationml/2006/main" xmlns:c="http://schemas.openxmlformats.org/drawingml/2006/chart" xmlns:dgm="http://schemas.openxmlformats.org/drawingml/2006/diagram" xmlns:o="urn:schemas-microsoft-com:office:office" xmlns:v="urn:schemas-microsoft-com:vml" xmlns:pvml="urn:schemas-microsoft-com:office:powerpoint" xmlns:com="http://schemas.openxmlformats.org/drawingml/2006/compatibility" xmlns:p14="http://schemas.microsoft.com/office/powerpoint/2010/main" xmlns:p15="http://schemas.microsoft.com/office/powerpoint/2012/main" xmlns:ahyp="http://schemas.microsoft.com/office/drawing/2018/hyperlinkcolor">
   <p:cSld>
-    <p:bg>
-      <p:bgPr>
-        <a:solidFill>
-          <a:srgbClr val="FFE599"/>
-        </a:solidFill>
-      </p:bgPr>
-    </p:bg>
     <p:spTree>
       <p:nvGrpSpPr>
-        <p:cNvPr id="83" name="Shape 83"/>
+        <p:cNvPr id="79" name="Shape 79"/>
         <p:cNvGrpSpPr/>
         <p:nvPr/>
       </p:nvGrpSpPr>
@@ -6829,147 +7047,9 @@
           <a:chExt cx="0" cy="0"/>
         </a:xfrm>
       </p:grpSpPr>
-      <p:sp>
-        <p:nvSpPr>
-          <p:cNvPr id="84" name="Google Shape;84;p18"/>
-          <p:cNvSpPr txBox="1"/>
-          <p:nvPr>
-            <p:ph type="title"/>
-          </p:nvPr>
-        </p:nvSpPr>
-        <p:spPr>
-          <a:xfrm>
-            <a:off x="311700" y="445025"/>
-            <a:ext cx="8520600" cy="572700"/>
-          </a:xfrm>
-          <a:prstGeom prst="rect">
-            <a:avLst/>
-          </a:prstGeom>
-        </p:spPr>
-        <p:txBody>
-          <a:bodyPr anchorCtr="0" anchor="t" bIns="91425" lIns="91425" spcFirstLastPara="1" rIns="91425" wrap="square" tIns="91425">
-            <a:normAutofit fontScale="90000"/>
-          </a:bodyPr>
-          <a:lstStyle/>
-          <a:p>
-            <a:pPr indent="0" lvl="0" marL="0" rtl="0" algn="l">
-              <a:spcBef>
-                <a:spcPts val="0"/>
-              </a:spcBef>
-              <a:spcAft>
-                <a:spcPts val="0"/>
-              </a:spcAft>
-              <a:buNone/>
-            </a:pPr>
-            <a:r>
-              <a:t/>
-            </a:r>
-            <a:endParaRPr sz="1927">
-              <a:solidFill>
-                <a:srgbClr val="2C2D2E"/>
-              </a:solidFill>
-              <a:highlight>
-                <a:srgbClr val="FFFFFF"/>
-              </a:highlight>
-            </a:endParaRPr>
-          </a:p>
-          <a:p>
-            <a:pPr indent="0" lvl="0" marL="0" rtl="0" algn="l">
-              <a:spcBef>
-                <a:spcPts val="0"/>
-              </a:spcBef>
-              <a:spcAft>
-                <a:spcPts val="0"/>
-              </a:spcAft>
-              <a:buNone/>
-            </a:pPr>
-            <a:r>
-              <a:rPr lang="ru" sz="1927">
-                <a:solidFill>
-                  <a:srgbClr val="2C2D2E"/>
-                </a:solidFill>
-                <a:highlight>
-                  <a:srgbClr val="FFFFFF"/>
-                </a:highlight>
-              </a:rPr>
-              <a:t>Акита-ину  самая крупная собака из японских пород. Эта красивая собака с величественными манерами обладает ровным характером: они сдержанны, им не свойственно открыто проявлять свои эмоции. Акита прекрасный компаньон и отличный бдительный сторож. </a:t>
-            </a:r>
-            <a:endParaRPr sz="1927">
-              <a:solidFill>
-                <a:srgbClr val="2C2D2E"/>
-              </a:solidFill>
-              <a:highlight>
-                <a:srgbClr val="FFFFFF"/>
-              </a:highlight>
-            </a:endParaRPr>
-          </a:p>
-          <a:p>
-            <a:pPr indent="0" lvl="0" marL="0" rtl="0" algn="l">
-              <a:spcBef>
-                <a:spcPts val="0"/>
-              </a:spcBef>
-              <a:spcAft>
-                <a:spcPts val="0"/>
-              </a:spcAft>
-              <a:buClr>
-                <a:schemeClr val="dk1"/>
-              </a:buClr>
-              <a:buSzPct val="100000"/>
-              <a:buFont typeface="Arial"/>
-              <a:buNone/>
-            </a:pPr>
-            <a:r>
-              <a:t/>
-            </a:r>
-            <a:endParaRPr sz="1100"/>
-          </a:p>
-          <a:p>
-            <a:pPr indent="0" lvl="0" marL="0" rtl="0" algn="l">
-              <a:spcBef>
-                <a:spcPts val="0"/>
-              </a:spcBef>
-              <a:spcAft>
-                <a:spcPts val="0"/>
-              </a:spcAft>
-              <a:buClr>
-                <a:schemeClr val="dk1"/>
-              </a:buClr>
-              <a:buSzPct val="95652"/>
-              <a:buFont typeface="Arial"/>
-              <a:buNone/>
-            </a:pPr>
-            <a:r>
-              <a:t/>
-            </a:r>
-            <a:endParaRPr sz="1150">
-              <a:solidFill>
-                <a:srgbClr val="2C2D2E"/>
-              </a:solidFill>
-              <a:highlight>
-                <a:srgbClr val="FFFFFF"/>
-              </a:highlight>
-            </a:endParaRPr>
-          </a:p>
-          <a:p>
-            <a:pPr indent="0" lvl="0" marL="0" rtl="0" algn="l">
-              <a:spcBef>
-                <a:spcPts val="0"/>
-              </a:spcBef>
-              <a:spcAft>
-                <a:spcPts val="0"/>
-              </a:spcAft>
-              <a:buNone/>
-            </a:pPr>
-            <a:r>
-              <a:t/>
-            </a:r>
-            <a:endParaRPr/>
-          </a:p>
-        </p:txBody>
-      </p:sp>
       <p:pic>
         <p:nvPicPr>
-          <p:cNvPr id="85" name="Google Shape;85;p18"/>
+          <p:cNvPr descr="Диаграмма ответов в Формах. Вопрос: Какой способ связи для вас удобен при обсуждении проекта?. Количество ответов: 104 ответа." id="80" name="Google Shape;80;p18" title="Какой способ связи для вас удобен при обсуждении проекта?"/>
           <p:cNvPicPr preferRelativeResize="0"/>
           <p:nvPr/>
         </p:nvPicPr>
@@ -6983,8 +7063,8 @@
         </p:blipFill>
         <p:spPr>
           <a:xfrm>
-            <a:off x="4291550" y="1612875"/>
-            <a:ext cx="4540750" cy="3276125"/>
+            <a:off x="152400" y="152400"/>
+            <a:ext cx="8839204" cy="3720407"/>
           </a:xfrm>
           <a:prstGeom prst="rect">
             <a:avLst/>
@@ -6995,97 +7075,20 @@
           </a:ln>
         </p:spPr>
       </p:pic>
-      <p:sp>
-        <p:nvSpPr>
-          <p:cNvPr id="86" name="Google Shape;86;p18"/>
-          <p:cNvSpPr txBox="1"/>
-          <p:nvPr/>
-        </p:nvSpPr>
-        <p:spPr>
-          <a:xfrm>
-            <a:off x="1835050" y="281275"/>
-            <a:ext cx="7340100" cy="538800"/>
-          </a:xfrm>
-          <a:prstGeom prst="rect">
-            <a:avLst/>
-          </a:prstGeom>
-          <a:noFill/>
-          <a:ln>
-            <a:noFill/>
-          </a:ln>
-        </p:spPr>
-        <p:txBody>
-          <a:bodyPr anchorCtr="0" anchor="t" bIns="91425" lIns="91425" spcFirstLastPara="1" rIns="91425" wrap="square" tIns="91425">
-            <a:spAutoFit/>
-          </a:bodyPr>
-          <a:lstStyle/>
-          <a:p>
-            <a:pPr indent="0" lvl="0" marL="0" rtl="0" algn="l">
-              <a:spcBef>
-                <a:spcPts val="0"/>
-              </a:spcBef>
-              <a:spcAft>
-                <a:spcPts val="0"/>
-              </a:spcAft>
-              <a:buNone/>
-            </a:pPr>
-            <a:r>
-              <a:rPr b="1" lang="ru" sz="2300">
-                <a:solidFill>
-                  <a:schemeClr val="dk2"/>
-                </a:solidFill>
-                <a:latin typeface="Spectral"/>
-                <a:ea typeface="Spectral"/>
-                <a:cs typeface="Spectral"/>
-                <a:sym typeface="Spectral"/>
-              </a:rPr>
-              <a:t>Как называется порода Хатико?</a:t>
-            </a:r>
-            <a:endParaRPr b="1" sz="2300">
-              <a:solidFill>
-                <a:schemeClr val="dk2"/>
-              </a:solidFill>
-              <a:latin typeface="Spectral"/>
-              <a:ea typeface="Spectral"/>
-              <a:cs typeface="Spectral"/>
-              <a:sym typeface="Spectral"/>
-            </a:endParaRPr>
-          </a:p>
-        </p:txBody>
-      </p:sp>
     </p:spTree>
   </p:cSld>
   <p:clrMapOvr>
     <a:masterClrMapping/>
   </p:clrMapOvr>
-  <mc:AlternateContent>
-    <mc:Choice Requires="p14">
-      <p:transition spd="slow" p14:dur="1500">
-        <p:fade/>
-      </p:transition>
-    </mc:Choice>
-    <mc:Fallback>
-      <p:transition spd="slow">
-        <p:fade/>
-      </p:transition>
-    </mc:Fallback>
-  </mc:AlternateContent>
 </p:sld>
 </file>
 
 <file path=ppt/slides/slide7.xml><?xml version="1.0" encoding="utf-8"?>
 <p:sld xmlns:a="http://schemas.openxmlformats.org/drawingml/2006/main" xmlns:r="http://schemas.openxmlformats.org/officeDocument/2006/relationships" xmlns:mc="http://schemas.openxmlformats.org/markup-compatibility/2006" xmlns:mv="urn:schemas-microsoft-com:mac:vml" xmlns:p="http://schemas.openxmlformats.org/presentationml/2006/main" xmlns:c="http://schemas.openxmlformats.org/drawingml/2006/chart" xmlns:dgm="http://schemas.openxmlformats.org/drawingml/2006/diagram" xmlns:o="urn:schemas-microsoft-com:office:office" xmlns:v="urn:schemas-microsoft-com:vml" xmlns:pvml="urn:schemas-microsoft-com:office:powerpoint" xmlns:com="http://schemas.openxmlformats.org/drawingml/2006/compatibility" xmlns:p14="http://schemas.microsoft.com/office/powerpoint/2010/main" xmlns:p15="http://schemas.microsoft.com/office/powerpoint/2012/main" xmlns:ahyp="http://schemas.microsoft.com/office/drawing/2018/hyperlinkcolor">
   <p:cSld>
-    <p:bg>
-      <p:bgPr>
-        <a:solidFill>
-          <a:srgbClr val="C9DAF8"/>
-        </a:solidFill>
-      </p:bgPr>
-    </p:bg>
     <p:spTree>
       <p:nvGrpSpPr>
-        <p:cNvPr id="90" name="Shape 90"/>
+        <p:cNvPr id="84" name="Shape 84"/>
         <p:cNvGrpSpPr/>
         <p:nvPr/>
       </p:nvGrpSpPr>
@@ -7097,57 +7100,140 @@
           <a:chExt cx="0" cy="0"/>
         </a:xfrm>
       </p:grpSpPr>
-      <p:sp>
-        <p:nvSpPr>
-          <p:cNvPr id="91" name="Google Shape;91;p19"/>
-          <p:cNvSpPr txBox="1"/>
-          <p:nvPr>
-            <p:ph type="title"/>
-          </p:nvPr>
-        </p:nvSpPr>
+      <p:pic>
+        <p:nvPicPr>
+          <p:cNvPr descr="Диаграмма ответов в Формах. Вопрос: Какие факторы вызывают у вас доверие качественной работы строительной компании?. Количество ответов: 104 ответа." id="85" name="Google Shape;85;p19" title="Какие факторы вызывают у вас доверие качественной работы строительной компании?"/>
+          <p:cNvPicPr preferRelativeResize="0"/>
+          <p:nvPr/>
+        </p:nvPicPr>
+        <p:blipFill>
+          <a:blip r:embed="rId3">
+            <a:alphaModFix/>
+          </a:blip>
+          <a:stretch>
+            <a:fillRect/>
+          </a:stretch>
+        </p:blipFill>
         <p:spPr>
           <a:xfrm>
-            <a:off x="311700" y="1864850"/>
-            <a:ext cx="8520600" cy="572700"/>
+            <a:off x="152400" y="152400"/>
+            <a:ext cx="8839204" cy="3720407"/>
           </a:xfrm>
           <a:prstGeom prst="rect">
             <a:avLst/>
           </a:prstGeom>
+          <a:noFill/>
+          <a:ln>
+            <a:noFill/>
+          </a:ln>
         </p:spPr>
-        <p:txBody>
-          <a:bodyPr anchorCtr="0" anchor="t" bIns="91425" lIns="91425" spcFirstLastPara="1" rIns="91425" wrap="square" tIns="91425">
-            <a:noAutofit/>
-          </a:bodyPr>
-          <a:lstStyle/>
-          <a:p>
-            <a:pPr indent="0" lvl="0" marL="0" rtl="0" algn="ctr">
-              <a:spcBef>
-                <a:spcPts val="0"/>
-              </a:spcBef>
-              <a:spcAft>
-                <a:spcPts val="0"/>
-              </a:spcAft>
-              <a:buSzPts val="990"/>
-              <a:buNone/>
-            </a:pPr>
-            <a:r>
-              <a:rPr b="1" i="1" lang="ru" sz="4220">
-                <a:latin typeface="Times New Roman"/>
-                <a:ea typeface="Times New Roman"/>
-                <a:cs typeface="Times New Roman"/>
-                <a:sym typeface="Times New Roman"/>
-              </a:rPr>
-              <a:t>Спасибо за внимание!</a:t>
-            </a:r>
-            <a:endParaRPr b="1" i="1" sz="4220">
-              <a:latin typeface="Times New Roman"/>
-              <a:ea typeface="Times New Roman"/>
-              <a:cs typeface="Times New Roman"/>
-              <a:sym typeface="Times New Roman"/>
-            </a:endParaRPr>
-          </a:p>
-        </p:txBody>
-      </p:sp>
+      </p:pic>
+    </p:spTree>
+  </p:cSld>
+  <p:clrMapOvr>
+    <a:masterClrMapping/>
+  </p:clrMapOvr>
+</p:sld>
+</file>
+
+<file path=ppt/slides/slide8.xml><?xml version="1.0" encoding="utf-8"?>
+<p:sld xmlns:a="http://schemas.openxmlformats.org/drawingml/2006/main" xmlns:r="http://schemas.openxmlformats.org/officeDocument/2006/relationships" xmlns:mc="http://schemas.openxmlformats.org/markup-compatibility/2006" xmlns:mv="urn:schemas-microsoft-com:mac:vml" xmlns:p="http://schemas.openxmlformats.org/presentationml/2006/main" xmlns:c="http://schemas.openxmlformats.org/drawingml/2006/chart" xmlns:dgm="http://schemas.openxmlformats.org/drawingml/2006/diagram" xmlns:o="urn:schemas-microsoft-com:office:office" xmlns:v="urn:schemas-microsoft-com:vml" xmlns:pvml="urn:schemas-microsoft-com:office:powerpoint" xmlns:com="http://schemas.openxmlformats.org/drawingml/2006/compatibility" xmlns:p14="http://schemas.microsoft.com/office/powerpoint/2010/main" xmlns:p15="http://schemas.microsoft.com/office/powerpoint/2012/main" xmlns:ahyp="http://schemas.microsoft.com/office/drawing/2018/hyperlinkcolor">
+  <p:cSld>
+    <p:spTree>
+      <p:nvGrpSpPr>
+        <p:cNvPr id="89" name="Shape 89"/>
+        <p:cNvGrpSpPr/>
+        <p:nvPr/>
+      </p:nvGrpSpPr>
+      <p:grpSpPr>
+        <a:xfrm>
+          <a:off x="0" y="0"/>
+          <a:ext cx="0" cy="0"/>
+          <a:chOff x="0" y="0"/>
+          <a:chExt cx="0" cy="0"/>
+        </a:xfrm>
+      </p:grpSpPr>
+      <p:pic>
+        <p:nvPicPr>
+          <p:cNvPr descr="Диаграмма ответов в Формах. Вопрос: Какой бюджет вы предпочитаете при покупке жилого дома?. Количество ответов: 94 ответа." id="90" name="Google Shape;90;p20" title="Какой бюджет вы предпочитаете при покупке жилого дома?"/>
+          <p:cNvPicPr preferRelativeResize="0"/>
+          <p:nvPr/>
+        </p:nvPicPr>
+        <p:blipFill>
+          <a:blip r:embed="rId3">
+            <a:alphaModFix/>
+          </a:blip>
+          <a:stretch>
+            <a:fillRect/>
+          </a:stretch>
+        </p:blipFill>
+        <p:spPr>
+          <a:xfrm>
+            <a:off x="152400" y="152400"/>
+            <a:ext cx="8839204" cy="3720407"/>
+          </a:xfrm>
+          <a:prstGeom prst="rect">
+            <a:avLst/>
+          </a:prstGeom>
+          <a:noFill/>
+          <a:ln>
+            <a:noFill/>
+          </a:ln>
+        </p:spPr>
+      </p:pic>
+    </p:spTree>
+  </p:cSld>
+  <p:clrMapOvr>
+    <a:masterClrMapping/>
+  </p:clrMapOvr>
+</p:sld>
+</file>
+
+<file path=ppt/slides/slide9.xml><?xml version="1.0" encoding="utf-8"?>
+<p:sld xmlns:a="http://schemas.openxmlformats.org/drawingml/2006/main" xmlns:r="http://schemas.openxmlformats.org/officeDocument/2006/relationships" xmlns:mc="http://schemas.openxmlformats.org/markup-compatibility/2006" xmlns:mv="urn:schemas-microsoft-com:mac:vml" xmlns:p="http://schemas.openxmlformats.org/presentationml/2006/main" xmlns:c="http://schemas.openxmlformats.org/drawingml/2006/chart" xmlns:dgm="http://schemas.openxmlformats.org/drawingml/2006/diagram" xmlns:o="urn:schemas-microsoft-com:office:office" xmlns:v="urn:schemas-microsoft-com:vml" xmlns:pvml="urn:schemas-microsoft-com:office:powerpoint" xmlns:com="http://schemas.openxmlformats.org/drawingml/2006/compatibility" xmlns:p14="http://schemas.microsoft.com/office/powerpoint/2010/main" xmlns:p15="http://schemas.microsoft.com/office/powerpoint/2012/main" xmlns:ahyp="http://schemas.microsoft.com/office/drawing/2018/hyperlinkcolor">
+  <p:cSld>
+    <p:spTree>
+      <p:nvGrpSpPr>
+        <p:cNvPr id="94" name="Shape 94"/>
+        <p:cNvGrpSpPr/>
+        <p:nvPr/>
+      </p:nvGrpSpPr>
+      <p:grpSpPr>
+        <a:xfrm>
+          <a:off x="0" y="0"/>
+          <a:ext cx="0" cy="0"/>
+          <a:chOff x="0" y="0"/>
+          <a:chExt cx="0" cy="0"/>
+        </a:xfrm>
+      </p:grpSpPr>
+      <p:pic>
+        <p:nvPicPr>
+          <p:cNvPr descr="Диаграмма ответов в Формах. Вопрос: Насколько для вас важна устойчивость зданий на землетрясения?. Количество ответов: 104 ответа." id="95" name="Google Shape;95;p21" title="Насколько для вас важна устойчивость зданий на землетрясения?"/>
+          <p:cNvPicPr preferRelativeResize="0"/>
+          <p:nvPr/>
+        </p:nvPicPr>
+        <p:blipFill>
+          <a:blip r:embed="rId3">
+            <a:alphaModFix/>
+          </a:blip>
+          <a:stretch>
+            <a:fillRect/>
+          </a:stretch>
+        </p:blipFill>
+        <p:spPr>
+          <a:xfrm>
+            <a:off x="152400" y="152400"/>
+            <a:ext cx="8839204" cy="4203801"/>
+          </a:xfrm>
+          <a:prstGeom prst="rect">
+            <a:avLst/>
+          </a:prstGeom>
+          <a:noFill/>
+          <a:ln>
+            <a:noFill/>
+          </a:ln>
+        </p:spPr>
+      </p:pic>
     </p:spTree>
   </p:cSld>
   <p:clrMapOvr>
